--- a/Documentation/Презентация SyrezLib.pptx
+++ b/Documentation/Презентация SyrezLib.pptx
@@ -9,15 +9,16 @@
     <p:sldId id="257" r:id="rId3"/>
     <p:sldId id="260" r:id="rId4"/>
     <p:sldId id="280" r:id="rId5"/>
-    <p:sldId id="277" r:id="rId6"/>
-    <p:sldId id="273" r:id="rId7"/>
-    <p:sldId id="281" r:id="rId8"/>
-    <p:sldId id="282" r:id="rId9"/>
-    <p:sldId id="283" r:id="rId10"/>
-    <p:sldId id="286" r:id="rId11"/>
-    <p:sldId id="284" r:id="rId12"/>
-    <p:sldId id="285" r:id="rId13"/>
-    <p:sldId id="272" r:id="rId14"/>
+    <p:sldId id="287" r:id="rId6"/>
+    <p:sldId id="277" r:id="rId7"/>
+    <p:sldId id="273" r:id="rId8"/>
+    <p:sldId id="281" r:id="rId9"/>
+    <p:sldId id="282" r:id="rId10"/>
+    <p:sldId id="283" r:id="rId11"/>
+    <p:sldId id="286" r:id="rId12"/>
+    <p:sldId id="284" r:id="rId13"/>
+    <p:sldId id="285" r:id="rId14"/>
+    <p:sldId id="272" r:id="rId15"/>
   </p:sldIdLst>
   <p:sldSz cx="17335500" cy="9753600"/>
   <p:notesSz cx="17335500" cy="9753600"/>
@@ -2255,6 +2256,121 @@
           <a:chExt cx="0" cy="0"/>
         </a:xfrm>
       </p:grpSpPr>
+      <p:sp>
+        <p:nvSpPr>
+          <p:cNvPr id="2" name="Заголовок 1">
+            <a:extLst>
+              <a:ext uri="{FF2B5EF4-FFF2-40B4-BE49-F238E27FC236}">
+                <a16:creationId xmlns:a16="http://schemas.microsoft.com/office/drawing/2014/main" id="{2AA1A942-0C86-4D1D-A5F4-945F1BAFFF57}"/>
+              </a:ext>
+            </a:extLst>
+          </p:cNvPr>
+          <p:cNvSpPr>
+            <a:spLocks noGrp="1"/>
+          </p:cNvSpPr>
+          <p:nvPr>
+            <p:ph type="title"/>
+          </p:nvPr>
+        </p:nvSpPr>
+        <p:spPr/>
+        <p:txBody>
+          <a:bodyPr/>
+          <a:lstStyle/>
+          <a:p>
+            <a:endParaRPr lang="ru-RU" dirty="0"/>
+          </a:p>
+        </p:txBody>
+      </p:sp>
+      <p:pic>
+        <p:nvPicPr>
+          <p:cNvPr id="3" name="Рисунок 2">
+            <a:extLst>
+              <a:ext uri="{FF2B5EF4-FFF2-40B4-BE49-F238E27FC236}">
+                <a16:creationId xmlns:a16="http://schemas.microsoft.com/office/drawing/2014/main" id="{E77737B5-4A71-4F1A-9AAF-F4B576B5C683}"/>
+              </a:ext>
+            </a:extLst>
+          </p:cNvPr>
+          <p:cNvPicPr>
+            <a:picLocks noChangeAspect="1"/>
+          </p:cNvPicPr>
+          <p:nvPr/>
+        </p:nvPicPr>
+        <p:blipFill>
+          <a:blip r:embed="rId2"/>
+          <a:stretch>
+            <a:fillRect/>
+          </a:stretch>
+        </p:blipFill>
+        <p:spPr>
+          <a:xfrm>
+            <a:off x="895350" y="663829"/>
+            <a:ext cx="9308056" cy="6311900"/>
+          </a:xfrm>
+          <a:prstGeom prst="rect">
+            <a:avLst/>
+          </a:prstGeom>
+        </p:spPr>
+      </p:pic>
+      <p:pic>
+        <p:nvPicPr>
+          <p:cNvPr id="4" name="Рисунок 3">
+            <a:extLst>
+              <a:ext uri="{FF2B5EF4-FFF2-40B4-BE49-F238E27FC236}">
+                <a16:creationId xmlns:a16="http://schemas.microsoft.com/office/drawing/2014/main" id="{E4E621E9-1C3D-4376-865B-46DF0A53DF9E}"/>
+              </a:ext>
+            </a:extLst>
+          </p:cNvPr>
+          <p:cNvPicPr>
+            <a:picLocks noChangeAspect="1"/>
+          </p:cNvPicPr>
+          <p:nvPr/>
+        </p:nvPicPr>
+        <p:blipFill>
+          <a:blip r:embed="rId3"/>
+          <a:stretch>
+            <a:fillRect/>
+          </a:stretch>
+        </p:blipFill>
+        <p:spPr>
+          <a:xfrm>
+            <a:off x="11106150" y="1295400"/>
+            <a:ext cx="5193802" cy="7437003"/>
+          </a:xfrm>
+          <a:prstGeom prst="rect">
+            <a:avLst/>
+          </a:prstGeom>
+        </p:spPr>
+      </p:pic>
+    </p:spTree>
+    <p:extLst>
+      <p:ext uri="{BB962C8B-B14F-4D97-AF65-F5344CB8AC3E}">
+        <p14:creationId xmlns:p14="http://schemas.microsoft.com/office/powerpoint/2010/main" val="4127846108"/>
+      </p:ext>
+    </p:extLst>
+  </p:cSld>
+  <p:clrMapOvr>
+    <a:masterClrMapping/>
+  </p:clrMapOvr>
+</p:sld>
+</file>
+
+<file path=ppt/slides/slide11.xml><?xml version="1.0" encoding="utf-8"?>
+<p:sld xmlns:a="http://schemas.openxmlformats.org/drawingml/2006/main" xmlns:r="http://schemas.openxmlformats.org/officeDocument/2006/relationships" xmlns:p="http://schemas.openxmlformats.org/presentationml/2006/main">
+  <p:cSld>
+    <p:spTree>
+      <p:nvGrpSpPr>
+        <p:cNvPr id="1" name=""/>
+        <p:cNvGrpSpPr/>
+        <p:nvPr/>
+      </p:nvGrpSpPr>
+      <p:grpSpPr>
+        <a:xfrm>
+          <a:off x="0" y="0"/>
+          <a:ext cx="0" cy="0"/>
+          <a:chOff x="0" y="0"/>
+          <a:chExt cx="0" cy="0"/>
+        </a:xfrm>
+      </p:grpSpPr>
       <p:pic>
         <p:nvPicPr>
           <p:cNvPr id="2" name="Рисунок 1">
@@ -2298,7 +2414,7 @@
 </p:sld>
 </file>
 
-<file path=ppt/slides/slide11.xml><?xml version="1.0" encoding="utf-8"?>
+<file path=ppt/slides/slide12.xml><?xml version="1.0" encoding="utf-8"?>
 <p:sld xmlns:a="http://schemas.openxmlformats.org/drawingml/2006/main" xmlns:r="http://schemas.openxmlformats.org/officeDocument/2006/relationships" xmlns:p="http://schemas.openxmlformats.org/presentationml/2006/main">
   <p:cSld>
     <p:spTree>
@@ -2443,7 +2559,7 @@
 </p:sld>
 </file>
 
-<file path=ppt/slides/slide12.xml><?xml version="1.0" encoding="utf-8"?>
+<file path=ppt/slides/slide13.xml><?xml version="1.0" encoding="utf-8"?>
 <p:sld xmlns:a="http://schemas.openxmlformats.org/drawingml/2006/main" xmlns:r="http://schemas.openxmlformats.org/officeDocument/2006/relationships" xmlns:p="http://schemas.openxmlformats.org/presentationml/2006/main">
   <p:cSld>
     <p:spTree>
@@ -2558,7 +2674,7 @@
 </p:sld>
 </file>
 
-<file path=ppt/slides/slide13.xml><?xml version="1.0" encoding="utf-8"?>
+<file path=ppt/slides/slide14.xml><?xml version="1.0" encoding="utf-8"?>
 <p:sld xmlns:a="http://schemas.openxmlformats.org/drawingml/2006/main" xmlns:r="http://schemas.openxmlformats.org/officeDocument/2006/relationships" xmlns:p="http://schemas.openxmlformats.org/presentationml/2006/main" showMasterSp="0">
   <p:cSld>
     <p:spTree>
@@ -5928,6 +6044,137 @@
 </file>
 
 <file path=ppt/slides/slide5.xml><?xml version="1.0" encoding="utf-8"?>
+<p:sld xmlns:a="http://schemas.openxmlformats.org/drawingml/2006/main" xmlns:r="http://schemas.openxmlformats.org/officeDocument/2006/relationships" xmlns:p="http://schemas.openxmlformats.org/presentationml/2006/main">
+  <p:cSld>
+    <p:spTree>
+      <p:nvGrpSpPr>
+        <p:cNvPr id="1" name=""/>
+        <p:cNvGrpSpPr/>
+        <p:nvPr/>
+      </p:nvGrpSpPr>
+      <p:grpSpPr>
+        <a:xfrm>
+          <a:off x="0" y="0"/>
+          <a:ext cx="0" cy="0"/>
+          <a:chOff x="0" y="0"/>
+          <a:chExt cx="0" cy="0"/>
+        </a:xfrm>
+      </p:grpSpPr>
+      <p:sp>
+        <p:nvSpPr>
+          <p:cNvPr id="2" name="Заголовок 1">
+            <a:extLst>
+              <a:ext uri="{FF2B5EF4-FFF2-40B4-BE49-F238E27FC236}">
+                <a16:creationId xmlns:a16="http://schemas.microsoft.com/office/drawing/2014/main" id="{53EF6740-7C77-4355-B766-519FF2DF5D6A}"/>
+              </a:ext>
+            </a:extLst>
+          </p:cNvPr>
+          <p:cNvSpPr>
+            <a:spLocks noGrp="1"/>
+          </p:cNvSpPr>
+          <p:nvPr>
+            <p:ph type="title"/>
+          </p:nvPr>
+        </p:nvSpPr>
+        <p:spPr>
+          <a:xfrm>
+            <a:off x="1809750" y="685800"/>
+            <a:ext cx="13040205" cy="923330"/>
+          </a:xfrm>
+        </p:spPr>
+        <p:txBody>
+          <a:bodyPr/>
+          <a:lstStyle/>
+          <a:p>
+            <a:pPr algn="ctr"/>
+            <a:r>
+              <a:rPr lang="ru-RU" dirty="0"/>
+              <a:t>Работа с Базой Данных</a:t>
+            </a:r>
+          </a:p>
+        </p:txBody>
+      </p:sp>
+      <p:pic>
+        <p:nvPicPr>
+          <p:cNvPr id="4" name="Рисунок 3">
+            <a:extLst>
+              <a:ext uri="{FF2B5EF4-FFF2-40B4-BE49-F238E27FC236}">
+                <a16:creationId xmlns:a16="http://schemas.microsoft.com/office/drawing/2014/main" id="{493D547D-6EDA-456C-AF71-5C5FE39D7C0C}"/>
+              </a:ext>
+            </a:extLst>
+          </p:cNvPr>
+          <p:cNvPicPr>
+            <a:picLocks noChangeAspect="1"/>
+          </p:cNvPicPr>
+          <p:nvPr/>
+        </p:nvPicPr>
+        <p:blipFill>
+          <a:blip r:embed="rId2"/>
+          <a:stretch>
+            <a:fillRect/>
+          </a:stretch>
+        </p:blipFill>
+        <p:spPr>
+          <a:xfrm>
+            <a:off x="209550" y="1905000"/>
+            <a:ext cx="12312971" cy="6544270"/>
+          </a:xfrm>
+          <a:prstGeom prst="rect">
+            <a:avLst/>
+          </a:prstGeom>
+        </p:spPr>
+      </p:pic>
+      <p:sp>
+        <p:nvSpPr>
+          <p:cNvPr id="5" name="TextBox 4">
+            <a:extLst>
+              <a:ext uri="{FF2B5EF4-FFF2-40B4-BE49-F238E27FC236}">
+                <a16:creationId xmlns:a16="http://schemas.microsoft.com/office/drawing/2014/main" id="{95F27256-B4CA-4512-823F-8F95EFE1EA1E}"/>
+              </a:ext>
+            </a:extLst>
+          </p:cNvPr>
+          <p:cNvSpPr txBox="1"/>
+          <p:nvPr/>
+        </p:nvSpPr>
+        <p:spPr>
+          <a:xfrm>
+            <a:off x="12782550" y="2667000"/>
+            <a:ext cx="4552950" cy="1384995"/>
+          </a:xfrm>
+          <a:prstGeom prst="rect">
+            <a:avLst/>
+          </a:prstGeom>
+          <a:noFill/>
+        </p:spPr>
+        <p:txBody>
+          <a:bodyPr wrap="square" rtlCol="0">
+            <a:spAutoFit/>
+          </a:bodyPr>
+          <a:lstStyle/>
+          <a:p>
+            <a:r>
+              <a:rPr lang="ru-RU" sz="2800" dirty="0">
+                <a:latin typeface="Trebuchet MS" panose="020B0603020202020204" pitchFamily="34" charset="0"/>
+              </a:rPr>
+              <a:t>В моем приложении мне понадобилось создать 6 таблиц</a:t>
+            </a:r>
+          </a:p>
+        </p:txBody>
+      </p:sp>
+    </p:spTree>
+    <p:extLst>
+      <p:ext uri="{BB962C8B-B14F-4D97-AF65-F5344CB8AC3E}">
+        <p14:creationId xmlns:p14="http://schemas.microsoft.com/office/powerpoint/2010/main" val="3350171256"/>
+      </p:ext>
+    </p:extLst>
+  </p:cSld>
+  <p:clrMapOvr>
+    <a:masterClrMapping/>
+  </p:clrMapOvr>
+</p:sld>
+</file>
+
+<file path=ppt/slides/slide6.xml><?xml version="1.0" encoding="utf-8"?>
 <p:sld xmlns:a="http://schemas.openxmlformats.org/drawingml/2006/main" xmlns:r="http://schemas.openxmlformats.org/officeDocument/2006/relationships" xmlns:p="http://schemas.openxmlformats.org/presentationml/2006/main">
   <p:cSld>
     <p:spTree>
@@ -6298,7 +6545,7 @@
 </p:sld>
 </file>
 
-<file path=ppt/slides/slide6.xml><?xml version="1.0" encoding="utf-8"?>
+<file path=ppt/slides/slide7.xml><?xml version="1.0" encoding="utf-8"?>
 <p:sld xmlns:a="http://schemas.openxmlformats.org/drawingml/2006/main" xmlns:r="http://schemas.openxmlformats.org/officeDocument/2006/relationships" xmlns:p="http://schemas.openxmlformats.org/presentationml/2006/main">
   <p:cSld>
     <p:spTree>
@@ -6452,7 +6699,7 @@
 </p:sld>
 </file>
 
-<file path=ppt/slides/slide7.xml><?xml version="1.0" encoding="utf-8"?>
+<file path=ppt/slides/slide8.xml><?xml version="1.0" encoding="utf-8"?>
 <p:sld xmlns:a="http://schemas.openxmlformats.org/drawingml/2006/main" xmlns:r="http://schemas.openxmlformats.org/officeDocument/2006/relationships" xmlns:p="http://schemas.openxmlformats.org/presentationml/2006/main">
   <p:cSld>
     <p:spTree>
@@ -6567,7 +6814,7 @@
 </p:sld>
 </file>
 
-<file path=ppt/slides/slide8.xml><?xml version="1.0" encoding="utf-8"?>
+<file path=ppt/slides/slide9.xml><?xml version="1.0" encoding="utf-8"?>
 <p:sld xmlns:a="http://schemas.openxmlformats.org/drawingml/2006/main" xmlns:r="http://schemas.openxmlformats.org/officeDocument/2006/relationships" xmlns:p="http://schemas.openxmlformats.org/presentationml/2006/main">
   <p:cSld>
     <p:spTree>
@@ -6673,121 +6920,6 @@
     <p:extLst>
       <p:ext uri="{BB962C8B-B14F-4D97-AF65-F5344CB8AC3E}">
         <p14:creationId xmlns:p14="http://schemas.microsoft.com/office/powerpoint/2010/main" val="1381310311"/>
-      </p:ext>
-    </p:extLst>
-  </p:cSld>
-  <p:clrMapOvr>
-    <a:masterClrMapping/>
-  </p:clrMapOvr>
-</p:sld>
-</file>
-
-<file path=ppt/slides/slide9.xml><?xml version="1.0" encoding="utf-8"?>
-<p:sld xmlns:a="http://schemas.openxmlformats.org/drawingml/2006/main" xmlns:r="http://schemas.openxmlformats.org/officeDocument/2006/relationships" xmlns:p="http://schemas.openxmlformats.org/presentationml/2006/main">
-  <p:cSld>
-    <p:spTree>
-      <p:nvGrpSpPr>
-        <p:cNvPr id="1" name=""/>
-        <p:cNvGrpSpPr/>
-        <p:nvPr/>
-      </p:nvGrpSpPr>
-      <p:grpSpPr>
-        <a:xfrm>
-          <a:off x="0" y="0"/>
-          <a:ext cx="0" cy="0"/>
-          <a:chOff x="0" y="0"/>
-          <a:chExt cx="0" cy="0"/>
-        </a:xfrm>
-      </p:grpSpPr>
-      <p:sp>
-        <p:nvSpPr>
-          <p:cNvPr id="2" name="Заголовок 1">
-            <a:extLst>
-              <a:ext uri="{FF2B5EF4-FFF2-40B4-BE49-F238E27FC236}">
-                <a16:creationId xmlns:a16="http://schemas.microsoft.com/office/drawing/2014/main" id="{2AA1A942-0C86-4D1D-A5F4-945F1BAFFF57}"/>
-              </a:ext>
-            </a:extLst>
-          </p:cNvPr>
-          <p:cNvSpPr>
-            <a:spLocks noGrp="1"/>
-          </p:cNvSpPr>
-          <p:nvPr>
-            <p:ph type="title"/>
-          </p:nvPr>
-        </p:nvSpPr>
-        <p:spPr/>
-        <p:txBody>
-          <a:bodyPr/>
-          <a:lstStyle/>
-          <a:p>
-            <a:endParaRPr lang="ru-RU" dirty="0"/>
-          </a:p>
-        </p:txBody>
-      </p:sp>
-      <p:pic>
-        <p:nvPicPr>
-          <p:cNvPr id="3" name="Рисунок 2">
-            <a:extLst>
-              <a:ext uri="{FF2B5EF4-FFF2-40B4-BE49-F238E27FC236}">
-                <a16:creationId xmlns:a16="http://schemas.microsoft.com/office/drawing/2014/main" id="{E77737B5-4A71-4F1A-9AAF-F4B576B5C683}"/>
-              </a:ext>
-            </a:extLst>
-          </p:cNvPr>
-          <p:cNvPicPr>
-            <a:picLocks noChangeAspect="1"/>
-          </p:cNvPicPr>
-          <p:nvPr/>
-        </p:nvPicPr>
-        <p:blipFill>
-          <a:blip r:embed="rId2"/>
-          <a:stretch>
-            <a:fillRect/>
-          </a:stretch>
-        </p:blipFill>
-        <p:spPr>
-          <a:xfrm>
-            <a:off x="895350" y="663829"/>
-            <a:ext cx="9308056" cy="6311900"/>
-          </a:xfrm>
-          <a:prstGeom prst="rect">
-            <a:avLst/>
-          </a:prstGeom>
-        </p:spPr>
-      </p:pic>
-      <p:pic>
-        <p:nvPicPr>
-          <p:cNvPr id="4" name="Рисунок 3">
-            <a:extLst>
-              <a:ext uri="{FF2B5EF4-FFF2-40B4-BE49-F238E27FC236}">
-                <a16:creationId xmlns:a16="http://schemas.microsoft.com/office/drawing/2014/main" id="{E4E621E9-1C3D-4376-865B-46DF0A53DF9E}"/>
-              </a:ext>
-            </a:extLst>
-          </p:cNvPr>
-          <p:cNvPicPr>
-            <a:picLocks noChangeAspect="1"/>
-          </p:cNvPicPr>
-          <p:nvPr/>
-        </p:nvPicPr>
-        <p:blipFill>
-          <a:blip r:embed="rId3"/>
-          <a:stretch>
-            <a:fillRect/>
-          </a:stretch>
-        </p:blipFill>
-        <p:spPr>
-          <a:xfrm>
-            <a:off x="11106150" y="1295400"/>
-            <a:ext cx="5193802" cy="7437003"/>
-          </a:xfrm>
-          <a:prstGeom prst="rect">
-            <a:avLst/>
-          </a:prstGeom>
-        </p:spPr>
-      </p:pic>
-    </p:spTree>
-    <p:extLst>
-      <p:ext uri="{BB962C8B-B14F-4D97-AF65-F5344CB8AC3E}">
-        <p14:creationId xmlns:p14="http://schemas.microsoft.com/office/powerpoint/2010/main" val="4127846108"/>
       </p:ext>
     </p:extLst>
   </p:cSld>

--- a/Documentation/Презентация SyrezLib.pptx
+++ b/Documentation/Презентация SyrezLib.pptx
@@ -6158,6 +6158,15 @@
               </a:rPr>
               <a:t>В моем приложении мне понадобилось создать 6 таблиц</a:t>
             </a:r>
+            <a:r>
+              <a:rPr lang="en-US" sz="2800">
+                <a:latin typeface="Trebuchet MS" panose="020B0603020202020204" pitchFamily="34" charset="0"/>
+              </a:rPr>
+              <a:t> </a:t>
+            </a:r>
+            <a:endParaRPr lang="ru-RU" sz="2800" dirty="0">
+              <a:latin typeface="Trebuchet MS" panose="020B0603020202020204" pitchFamily="34" charset="0"/>
+            </a:endParaRPr>
           </a:p>
         </p:txBody>
       </p:sp>

--- a/Documentation/Презентация SyrezLib.pptx
+++ b/Documentation/Презентация SyrezLib.pptx
@@ -2195,15 +2195,7 @@
             </a:r>
             <a:r>
               <a:rPr lang="en-US" spc="635" dirty="0"/>
-              <a:t>“</a:t>
-            </a:r>
-            <a:r>
-              <a:rPr lang="en-US" spc="635" dirty="0" err="1"/>
-              <a:t>SyrezLib</a:t>
-            </a:r>
-            <a:r>
-              <a:rPr lang="en-US" spc="635" dirty="0"/>
-              <a:t>”</a:t>
+              <a:t>“SyrezLib”</a:t>
             </a:r>
             <a:endParaRPr lang="ru-RU" spc="45" dirty="0"/>
           </a:p>
@@ -5110,8 +5102,8 @@
         </p:nvSpPr>
         <p:spPr>
           <a:xfrm>
-            <a:off x="6838950" y="526639"/>
-            <a:ext cx="7889875" cy="6376103"/>
+            <a:off x="6411900" y="526639"/>
+            <a:ext cx="10485450" cy="4298612"/>
           </a:xfrm>
           <a:prstGeom prst="rect">
             <a:avLst/>
@@ -5124,9 +5116,6 @@
           <a:lstStyle/>
           <a:p>
             <a:pPr marL="12700">
-              <a:lnSpc>
-                <a:spcPct val="100000"/>
-              </a:lnSpc>
               <a:spcBef>
                 <a:spcPts val="1839"/>
               </a:spcBef>
@@ -5139,7 +5128,7 @@
               <a:t>›</a:t>
             </a:r>
             <a:r>
-              <a:rPr sz="4150" spc="325" dirty="0">
+              <a:rPr lang="ru-RU" sz="4150" spc="325" dirty="0">
                 <a:latin typeface="Trebuchet MS"/>
                 <a:cs typeface="Trebuchet MS"/>
               </a:rPr>
@@ -5159,22 +5148,19 @@
           </a:p>
           <a:p>
             <a:pPr marL="12700">
-              <a:lnSpc>
-                <a:spcPts val="4925"/>
-              </a:lnSpc>
               <a:spcBef>
                 <a:spcPts val="1739"/>
               </a:spcBef>
             </a:pPr>
             <a:r>
-              <a:rPr sz="4150" spc="-270" dirty="0">
+              <a:rPr sz="3600" spc="-270" dirty="0">
                 <a:latin typeface="Trebuchet MS"/>
                 <a:cs typeface="Trebuchet MS"/>
               </a:rPr>
               <a:t>›</a:t>
             </a:r>
             <a:r>
-              <a:rPr sz="4150" spc="325" dirty="0">
+              <a:rPr lang="ru-RU" sz="3600" spc="325" dirty="0">
                 <a:latin typeface="Trebuchet MS"/>
                 <a:cs typeface="Trebuchet MS"/>
               </a:rPr>
@@ -5193,27 +5179,17 @@
             </a:endParaRPr>
           </a:p>
           <a:p>
-            <a:pPr marL="372110" marR="1280160" indent="-360045">
-              <a:lnSpc>
-                <a:spcPts val="4320"/>
-              </a:lnSpc>
+            <a:pPr marL="12700">
               <a:spcBef>
-                <a:spcPts val="2500"/>
+                <a:spcPts val="1739"/>
               </a:spcBef>
             </a:pPr>
             <a:r>
-              <a:rPr lang="ru-RU" sz="4150" spc="-270" dirty="0">
+              <a:rPr lang="ru-RU" sz="3600" spc="-270" dirty="0">
                 <a:latin typeface="Trebuchet MS"/>
                 <a:cs typeface="Trebuchet MS"/>
               </a:rPr>
-              <a:t>›</a:t>
-            </a:r>
-            <a:r>
-              <a:rPr lang="ru-RU" sz="4150" spc="325" dirty="0">
-                <a:latin typeface="Trebuchet MS"/>
-                <a:cs typeface="Trebuchet MS"/>
-              </a:rPr>
-              <a:t> </a:t>
+              <a:t>› </a:t>
             </a:r>
             <a:r>
               <a:rPr lang="ru-RU" sz="3600" spc="325" dirty="0">
@@ -5224,12 +5200,9 @@
             </a:r>
           </a:p>
           <a:p>
-            <a:pPr marL="372110" marR="1280160" indent="-360045">
-              <a:lnSpc>
-                <a:spcPts val="4320"/>
-              </a:lnSpc>
+            <a:pPr marL="12700">
               <a:spcBef>
-                <a:spcPts val="2500"/>
+                <a:spcPts val="1739"/>
               </a:spcBef>
             </a:pPr>
             <a:r>
@@ -5237,14 +5210,7 @@
                 <a:latin typeface="Trebuchet MS"/>
                 <a:cs typeface="Trebuchet MS"/>
               </a:rPr>
-              <a:t>›</a:t>
-            </a:r>
-            <a:r>
-              <a:rPr lang="en-US" sz="3600" spc="-270" dirty="0">
-                <a:latin typeface="Trebuchet MS"/>
-                <a:cs typeface="Trebuchet MS"/>
-              </a:rPr>
-              <a:t> </a:t>
+              <a:t>› </a:t>
             </a:r>
             <a:r>
               <a:rPr lang="ru-RU" sz="3600" dirty="0">
@@ -5472,40 +5438,8 @@
               </a:spcBef>
             </a:pPr>
             <a:r>
-              <a:rPr sz="4200" spc="335" dirty="0"/>
-              <a:t>Н</a:t>
-            </a:r>
-            <a:r>
-              <a:rPr sz="4200" spc="60" dirty="0"/>
-              <a:t>а</a:t>
-            </a:r>
-            <a:r>
-              <a:rPr sz="4200" spc="165" dirty="0"/>
-              <a:t>ши</a:t>
-            </a:r>
-            <a:r>
-              <a:rPr sz="4200" spc="-450" dirty="0"/>
-              <a:t> </a:t>
-            </a:r>
-            <a:r>
-              <a:rPr sz="4200" spc="85" dirty="0"/>
-              <a:t>ц</a:t>
-            </a:r>
-            <a:r>
-              <a:rPr sz="4200" spc="80" dirty="0"/>
-              <a:t>е</a:t>
-            </a:r>
-            <a:r>
-              <a:rPr sz="4200" spc="-40" dirty="0"/>
-              <a:t>л</a:t>
-            </a:r>
-            <a:r>
-              <a:rPr sz="4200" spc="150" dirty="0"/>
-              <a:t>и</a:t>
-            </a:r>
-            <a:r>
-              <a:rPr sz="4200" spc="-459" dirty="0"/>
-              <a:t> </a:t>
+              <a:rPr lang="ru-RU" sz="4200" spc="150" dirty="0"/>
+              <a:t>Цели </a:t>
             </a:r>
             <a:r>
               <a:rPr sz="4200" spc="150" dirty="0"/>
@@ -5535,7 +5469,7 @@
               <a:rPr sz="4200" spc="65" dirty="0"/>
               <a:t>ы</a:t>
             </a:r>
-            <a:endParaRPr sz="4200"/>
+            <a:endParaRPr sz="4200" dirty="0"/>
           </a:p>
         </p:txBody>
       </p:sp>
@@ -5569,8 +5503,8 @@
         </p:nvSpPr>
         <p:spPr>
           <a:xfrm>
-            <a:off x="1407920" y="4544363"/>
-            <a:ext cx="6280386" cy="764312"/>
+            <a:off x="646099" y="4544363"/>
+            <a:ext cx="7793051" cy="887422"/>
           </a:xfrm>
           <a:prstGeom prst="rect">
             <a:avLst/>
@@ -5591,7 +5525,7 @@
               </a:spcBef>
             </a:pPr>
             <a:r>
-              <a:rPr lang="ru-RU" sz="2400" dirty="0">
+              <a:rPr lang="ru-RU" sz="2800" dirty="0">
                 <a:solidFill>
                   <a:srgbClr val="000000"/>
                 </a:solidFill>
@@ -5602,7 +5536,7 @@
               <a:t>Разработка приложения</a:t>
             </a:r>
             <a:r>
-              <a:rPr lang="en-US" sz="2400" dirty="0">
+              <a:rPr lang="en-US" sz="2800" dirty="0">
                 <a:solidFill>
                   <a:srgbClr val="000000"/>
                 </a:solidFill>
@@ -5613,7 +5547,7 @@
               <a:t> </a:t>
             </a:r>
             <a:r>
-              <a:rPr lang="ru-RU" sz="2400" dirty="0">
+              <a:rPr lang="ru-RU" sz="2800" dirty="0">
                 <a:solidFill>
                   <a:srgbClr val="000000"/>
                 </a:solidFill>
@@ -5623,7 +5557,7 @@
               <a:t>для ПК</a:t>
             </a:r>
             <a:r>
-              <a:rPr lang="ru-RU" sz="2400" dirty="0">
+              <a:rPr lang="ru-RU" sz="2800" dirty="0">
                 <a:solidFill>
                   <a:srgbClr val="000000"/>
                 </a:solidFill>
@@ -5644,7 +5578,7 @@
               </a:spcBef>
             </a:pPr>
             <a:r>
-              <a:rPr lang="ru-RU" sz="2400" dirty="0">
+              <a:rPr lang="ru-RU" sz="2800" dirty="0">
                 <a:solidFill>
                   <a:srgbClr val="000000"/>
                 </a:solidFill>
@@ -5655,7 +5589,7 @@
               <a:t>«</a:t>
             </a:r>
             <a:r>
-              <a:rPr lang="en-US" sz="2400" dirty="0" err="1">
+              <a:rPr lang="en-US" sz="2800" dirty="0">
                 <a:solidFill>
                   <a:srgbClr val="000000"/>
                 </a:solidFill>
@@ -5663,10 +5597,30 @@
                 <a:latin typeface="Trebuchet MS" panose="020B0603020202020204" pitchFamily="34" charset="0"/>
                 <a:ea typeface="Calibri" panose="020F0502020204030204" pitchFamily="34" charset="0"/>
               </a:rPr>
-              <a:t>SyrezLib</a:t>
+              <a:t>SyrezLib </a:t>
             </a:r>
             <a:r>
-              <a:rPr lang="en-US" sz="2400" dirty="0">
+              <a:rPr lang="en-US" sz="2800" dirty="0">
+                <a:solidFill>
+                  <a:srgbClr val="000000"/>
+                </a:solidFill>
+                <a:latin typeface="Trebuchet MS" panose="020B0603020202020204" pitchFamily="34" charset="0"/>
+                <a:ea typeface="Calibri" panose="020F0502020204030204" pitchFamily="34" charset="0"/>
+              </a:rPr>
+              <a:t>- </a:t>
+            </a:r>
+            <a:r>
+              <a:rPr lang="ru-RU" sz="2800" dirty="0">
+                <a:solidFill>
+                  <a:srgbClr val="000000"/>
+                </a:solidFill>
+                <a:latin typeface="Trebuchet MS" panose="020B0603020202020204" pitchFamily="34" charset="0"/>
+                <a:ea typeface="Calibri" panose="020F0502020204030204" pitchFamily="34" charset="0"/>
+              </a:rPr>
+              <a:t>с</a:t>
+            </a:r>
+            <a:r>
+              <a:rPr lang="ru-RU" sz="2800" dirty="0">
                 <a:solidFill>
                   <a:srgbClr val="000000"/>
                 </a:solidFill>
@@ -5674,41 +5628,9 @@
                 <a:latin typeface="Trebuchet MS" panose="020B0603020202020204" pitchFamily="34" charset="0"/>
                 <a:ea typeface="Calibri" panose="020F0502020204030204" pitchFamily="34" charset="0"/>
               </a:rPr>
-              <a:t> </a:t>
+              <a:t>истема учета для библиотеки»</a:t>
             </a:r>
-            <a:r>
-              <a:rPr lang="en-US" sz="2400" dirty="0">
-                <a:solidFill>
-                  <a:srgbClr val="000000"/>
-                </a:solidFill>
-                <a:latin typeface="Trebuchet MS" panose="020B0603020202020204" pitchFamily="34" charset="0"/>
-                <a:ea typeface="Calibri" panose="020F0502020204030204" pitchFamily="34" charset="0"/>
-              </a:rPr>
-              <a:t>- c</a:t>
-            </a:r>
-            <a:r>
-              <a:rPr lang="ru-RU" sz="2400" dirty="0" err="1">
-                <a:solidFill>
-                  <a:srgbClr val="000000"/>
-                </a:solidFill>
-                <a:effectLst/>
-                <a:latin typeface="Trebuchet MS" panose="020B0603020202020204" pitchFamily="34" charset="0"/>
-                <a:ea typeface="Calibri" panose="020F0502020204030204" pitchFamily="34" charset="0"/>
-              </a:rPr>
-              <a:t>истема</a:t>
-            </a:r>
-            <a:r>
-              <a:rPr lang="ru-RU" sz="2400" dirty="0">
-                <a:solidFill>
-                  <a:srgbClr val="000000"/>
-                </a:solidFill>
-                <a:effectLst/>
-                <a:latin typeface="Trebuchet MS" panose="020B0603020202020204" pitchFamily="34" charset="0"/>
-                <a:ea typeface="Calibri" panose="020F0502020204030204" pitchFamily="34" charset="0"/>
-              </a:rPr>
-              <a:t> учета для библиотеки»</a:t>
-            </a:r>
-            <a:endParaRPr sz="2400" dirty="0">
+            <a:endParaRPr sz="2800" dirty="0">
               <a:latin typeface="Trebuchet MS" panose="020B0603020202020204" pitchFamily="34" charset="0"/>
               <a:cs typeface="Trebuchet MS"/>
             </a:endParaRPr>
@@ -5723,8 +5645,8 @@
         </p:nvSpPr>
         <p:spPr>
           <a:xfrm>
-            <a:off x="10194801" y="4545887"/>
-            <a:ext cx="5732780" cy="1859483"/>
+            <a:off x="9201150" y="4545887"/>
+            <a:ext cx="7619999" cy="2167260"/>
           </a:xfrm>
           <a:prstGeom prst="rect">
             <a:avLst/>
@@ -5745,13 +5667,13 @@
               </a:spcBef>
             </a:pPr>
             <a:r>
-              <a:rPr lang="ru-RU" sz="2400" dirty="0">
+              <a:rPr lang="ru-RU" sz="2800" dirty="0">
                 <a:latin typeface="Trebuchet MS"/>
                 <a:cs typeface="Trebuchet MS"/>
               </a:rPr>
               <a:t>Данная идея появилась на свет после того, как в данном учебном году я побывал в библиотеке. Моя карточка была утеряна, и я начал думать как ускорить работу в библиотеке.</a:t>
             </a:r>
-            <a:endParaRPr sz="2400" dirty="0">
+            <a:endParaRPr sz="2800" dirty="0">
               <a:latin typeface="Trebuchet MS"/>
               <a:cs typeface="Trebuchet MS"/>
             </a:endParaRPr>
@@ -5945,7 +5867,7 @@
         <p:spPr>
           <a:xfrm>
             <a:off x="742950" y="1790700"/>
-            <a:ext cx="15239999" cy="677108"/>
+            <a:ext cx="15239999" cy="738664"/>
           </a:xfrm>
         </p:spPr>
         <p:txBody>
@@ -5953,15 +5875,15 @@
           <a:lstStyle/>
           <a:p>
             <a:r>
-              <a:rPr lang="ru-RU" sz="2400" dirty="0"/>
+              <a:rPr lang="ru-RU" sz="2800" dirty="0"/>
               <a:t>Проект реализован на основе жесткой связи файл с классом – </a:t>
             </a:r>
             <a:r>
-              <a:rPr lang="en-US" sz="2400" dirty="0"/>
+              <a:rPr lang="en-US" sz="2800" dirty="0"/>
               <a:t>QT Designer </a:t>
             </a:r>
             <a:r>
-              <a:rPr lang="ru-RU" sz="2400" dirty="0"/>
+              <a:rPr lang="ru-RU" sz="2800" dirty="0"/>
               <a:t>файл</a:t>
             </a:r>
           </a:p>
@@ -6159,7 +6081,7 @@
               <a:t>В моем приложении мне понадобилось создать 6 таблиц</a:t>
             </a:r>
             <a:r>
-              <a:rPr lang="en-US" sz="2800">
+              <a:rPr lang="en-US" sz="2800" dirty="0">
                 <a:latin typeface="Trebuchet MS" panose="020B0603020202020204" pitchFamily="34" charset="0"/>
               </a:rPr>
               <a:t> </a:t>
@@ -6226,6 +6148,7 @@
           <a:bodyPr/>
           <a:lstStyle/>
           <a:p>
+            <a:pPr algn="ctr"/>
             <a:r>
               <a:rPr lang="ru-RU" dirty="0"/>
               <a:t>Использованные технологии</a:t>
@@ -6318,12 +6241,8 @@
               <a:buChar char="•"/>
             </a:pPr>
             <a:r>
-              <a:rPr lang="en-US" sz="2800" dirty="0" err="1"/>
-              <a:t>Pyinstaller</a:t>
-            </a:r>
-            <a:r>
               <a:rPr lang="en-US" sz="2800" dirty="0"/>
-              <a:t> – </a:t>
+              <a:t>Pyinstaller – </a:t>
             </a:r>
             <a:r>
               <a:rPr lang="ru-RU" sz="2800" dirty="0"/>
@@ -6339,14 +6258,13 @@
               <a:buChar char="•"/>
             </a:pPr>
             <a:r>
-              <a:rPr lang="en-US" sz="2800" dirty="0" err="1"/>
-              <a:t>Github</a:t>
+              <a:rPr lang="en-US" sz="2800" dirty="0"/>
+              <a:t>Github </a:t>
             </a:r>
             <a:r>
-              <a:rPr lang="en-US" sz="2800" dirty="0"/>
-              <a:t> </a:t>
+              <a:rPr lang="ru-RU" sz="2800" dirty="0"/>
+              <a:t>– для управления проектом и версиями кода</a:t>
             </a:r>
-            <a:endParaRPr lang="ru-RU" sz="2800" dirty="0"/>
           </a:p>
           <a:p>
             <a:endParaRPr lang="ru-RU" dirty="0"/>

--- a/Documentation/Презентация SyrezLib.pptx
+++ b/Documentation/Презентация SyrezLib.pptx
@@ -18,7 +18,8 @@
     <p:sldId id="286" r:id="rId12"/>
     <p:sldId id="284" r:id="rId13"/>
     <p:sldId id="285" r:id="rId14"/>
-    <p:sldId id="272" r:id="rId15"/>
+    <p:sldId id="288" r:id="rId15"/>
+    <p:sldId id="272" r:id="rId16"/>
   </p:sldIdLst>
   <p:sldSz cx="17335500" cy="9753600"/>
   <p:notesSz cx="17335500" cy="9753600"/>
@@ -275,7 +276,7 @@
           <a:p>
             <a:fld id="{1D8BD707-D9CF-40AE-B4C6-C98DA3205C09}" type="datetimeFigureOut">
               <a:rPr lang="en-US"/>
-              <a:t>11/5/2021</a:t>
+              <a:t>11/7/2021</a:t>
             </a:fld>
             <a:endParaRPr lang="en-US"/>
           </a:p>
@@ -461,7 +462,7 @@
           <a:p>
             <a:fld id="{1D8BD707-D9CF-40AE-B4C6-C98DA3205C09}" type="datetimeFigureOut">
               <a:rPr lang="en-US"/>
-              <a:t>11/5/2021</a:t>
+              <a:t>11/7/2021</a:t>
             </a:fld>
             <a:endParaRPr lang="en-US"/>
           </a:p>
@@ -684,7 +685,7 @@
           <a:p>
             <a:fld id="{1D8BD707-D9CF-40AE-B4C6-C98DA3205C09}" type="datetimeFigureOut">
               <a:rPr lang="en-US"/>
-              <a:t>11/5/2021</a:t>
+              <a:t>11/7/2021</a:t>
             </a:fld>
             <a:endParaRPr lang="en-US"/>
           </a:p>
@@ -1566,7 +1567,7 @@
           <a:p>
             <a:fld id="{1D8BD707-D9CF-40AE-B4C6-C98DA3205C09}" type="datetimeFigureOut">
               <a:rPr lang="en-US"/>
-              <a:t>11/5/2021</a:t>
+              <a:t>11/7/2021</a:t>
             </a:fld>
             <a:endParaRPr lang="en-US"/>
           </a:p>
@@ -1694,7 +1695,7 @@
           <a:p>
             <a:fld id="{1D8BD707-D9CF-40AE-B4C6-C98DA3205C09}" type="datetimeFigureOut">
               <a:rPr lang="en-US"/>
-              <a:t>11/5/2021</a:t>
+              <a:t>11/7/2021</a:t>
             </a:fld>
             <a:endParaRPr lang="en-US"/>
           </a:p>
@@ -1928,7 +1929,7 @@
           <a:p>
             <a:fld id="{1D8BD707-D9CF-40AE-B4C6-C98DA3205C09}" type="datetimeFigureOut">
               <a:rPr lang="en-US"/>
-              <a:t>11/5/2021</a:t>
+              <a:t>11/7/2021</a:t>
             </a:fld>
             <a:endParaRPr lang="en-US"/>
           </a:p>
@@ -2223,6 +2224,64 @@
           </a:prstGeom>
         </p:spPr>
       </p:pic>
+      <p:sp>
+        <p:nvSpPr>
+          <p:cNvPr id="3" name="TextBox 2">
+            <a:extLst>
+              <a:ext uri="{FF2B5EF4-FFF2-40B4-BE49-F238E27FC236}">
+                <a16:creationId xmlns:a16="http://schemas.microsoft.com/office/drawing/2014/main" id="{3454ADD5-76AF-4E42-88A3-201196C3B5A8}"/>
+              </a:ext>
+            </a:extLst>
+          </p:cNvPr>
+          <p:cNvSpPr txBox="1"/>
+          <p:nvPr/>
+        </p:nvSpPr>
+        <p:spPr>
+          <a:xfrm>
+            <a:off x="2150822" y="6934200"/>
+            <a:ext cx="9488728" cy="523220"/>
+          </a:xfrm>
+          <a:prstGeom prst="rect">
+            <a:avLst/>
+          </a:prstGeom>
+          <a:noFill/>
+        </p:spPr>
+        <p:txBody>
+          <a:bodyPr wrap="square" rtlCol="0">
+            <a:spAutoFit/>
+          </a:bodyPr>
+          <a:lstStyle/>
+          <a:p>
+            <a:r>
+              <a:rPr lang="ru-RU" sz="2800" dirty="0">
+                <a:latin typeface="Trebuchet MS" panose="020B0603020202020204" pitchFamily="34" charset="0"/>
+              </a:rPr>
+              <a:t>Выполнил Каримов Айдар 1 группа </a:t>
+            </a:r>
+            <a:r>
+              <a:rPr lang="en-US" sz="2800" dirty="0">
+                <a:latin typeface="Trebuchet MS" panose="020B0603020202020204" pitchFamily="34" charset="0"/>
+              </a:rPr>
+              <a:t>“</a:t>
+            </a:r>
+            <a:r>
+              <a:rPr lang="ru-RU" sz="2800" dirty="0">
+                <a:latin typeface="Trebuchet MS" panose="020B0603020202020204" pitchFamily="34" charset="0"/>
+              </a:rPr>
+              <a:t>Яндекс Лицей Д21</a:t>
+            </a:r>
+            <a:r>
+              <a:rPr lang="en-US" sz="2800" dirty="0">
+                <a:latin typeface="Trebuchet MS" panose="020B0603020202020204" pitchFamily="34" charset="0"/>
+              </a:rPr>
+              <a:t>”</a:t>
+            </a:r>
+            <a:endParaRPr lang="ru-RU" sz="2800" dirty="0">
+              <a:latin typeface="Trebuchet MS" panose="020B0603020202020204" pitchFamily="34" charset="0"/>
+            </a:endParaRPr>
+          </a:p>
+        </p:txBody>
+      </p:sp>
     </p:spTree>
   </p:cSld>
   <p:clrMapOvr>
@@ -2667,6 +2726,174 @@
 </file>
 
 <file path=ppt/slides/slide14.xml><?xml version="1.0" encoding="utf-8"?>
+<p:sld xmlns:a="http://schemas.openxmlformats.org/drawingml/2006/main" xmlns:r="http://schemas.openxmlformats.org/officeDocument/2006/relationships" xmlns:p="http://schemas.openxmlformats.org/presentationml/2006/main">
+  <p:cSld>
+    <p:spTree>
+      <p:nvGrpSpPr>
+        <p:cNvPr id="1" name=""/>
+        <p:cNvGrpSpPr/>
+        <p:nvPr/>
+      </p:nvGrpSpPr>
+      <p:grpSpPr>
+        <a:xfrm>
+          <a:off x="0" y="0"/>
+          <a:ext cx="0" cy="0"/>
+          <a:chOff x="0" y="0"/>
+          <a:chExt cx="0" cy="0"/>
+        </a:xfrm>
+      </p:grpSpPr>
+      <p:sp>
+        <p:nvSpPr>
+          <p:cNvPr id="2" name="Заголовок 1">
+            <a:extLst>
+              <a:ext uri="{FF2B5EF4-FFF2-40B4-BE49-F238E27FC236}">
+                <a16:creationId xmlns:a16="http://schemas.microsoft.com/office/drawing/2014/main" id="{D9FFA1E7-32A3-4CEC-930A-620FBF8B0564}"/>
+              </a:ext>
+            </a:extLst>
+          </p:cNvPr>
+          <p:cNvSpPr>
+            <a:spLocks noGrp="1"/>
+          </p:cNvSpPr>
+          <p:nvPr>
+            <p:ph type="title"/>
+          </p:nvPr>
+        </p:nvSpPr>
+        <p:spPr>
+          <a:xfrm>
+            <a:off x="1962150" y="762000"/>
+            <a:ext cx="13040205" cy="923330"/>
+          </a:xfrm>
+        </p:spPr>
+        <p:txBody>
+          <a:bodyPr/>
+          <a:lstStyle/>
+          <a:p>
+            <a:pPr algn="ctr"/>
+            <a:r>
+              <a:rPr lang="ru-RU" dirty="0"/>
+              <a:t>Вывод</a:t>
+            </a:r>
+          </a:p>
+        </p:txBody>
+      </p:sp>
+      <p:sp>
+        <p:nvSpPr>
+          <p:cNvPr id="3" name="TextBox 2">
+            <a:extLst>
+              <a:ext uri="{FF2B5EF4-FFF2-40B4-BE49-F238E27FC236}">
+                <a16:creationId xmlns:a16="http://schemas.microsoft.com/office/drawing/2014/main" id="{2E17466B-EB7C-42D6-9A19-AA8B31CD5EED}"/>
+              </a:ext>
+            </a:extLst>
+          </p:cNvPr>
+          <p:cNvSpPr txBox="1"/>
+          <p:nvPr/>
+        </p:nvSpPr>
+        <p:spPr>
+          <a:xfrm>
+            <a:off x="1200150" y="2133600"/>
+            <a:ext cx="14935200" cy="3539430"/>
+          </a:xfrm>
+          <a:prstGeom prst="rect">
+            <a:avLst/>
+          </a:prstGeom>
+          <a:noFill/>
+        </p:spPr>
+        <p:txBody>
+          <a:bodyPr wrap="square" rtlCol="0">
+            <a:spAutoFit/>
+          </a:bodyPr>
+          <a:lstStyle/>
+          <a:p>
+            <a:r>
+              <a:rPr lang="ru-RU" sz="3200" dirty="0">
+                <a:latin typeface="Trebuchet MS" panose="020B0603020202020204" pitchFamily="34" charset="0"/>
+              </a:rPr>
+              <a:t>Подводя итоги, я могу сказать, что создал приложения </a:t>
+            </a:r>
+            <a:r>
+              <a:rPr lang="en-US" sz="3200" dirty="0">
+                <a:latin typeface="Trebuchet MS" panose="020B0603020202020204" pitchFamily="34" charset="0"/>
+              </a:rPr>
+              <a:t>“SyrezLib”</a:t>
+            </a:r>
+            <a:r>
+              <a:rPr lang="ru-RU" sz="3200" dirty="0">
+                <a:latin typeface="Trebuchet MS" panose="020B0603020202020204" pitchFamily="34" charset="0"/>
+              </a:rPr>
+              <a:t>, которое направлено на ускорение и облегчение работы в библиотеках, с использованием языка программирования </a:t>
+            </a:r>
+            <a:r>
+              <a:rPr lang="en-US" sz="3200" dirty="0">
+                <a:latin typeface="Trebuchet MS" panose="020B0603020202020204" pitchFamily="34" charset="0"/>
+              </a:rPr>
+              <a:t>Python</a:t>
+            </a:r>
+            <a:r>
+              <a:rPr lang="ru-RU" sz="3200" dirty="0">
+                <a:latin typeface="Trebuchet MS" panose="020B0603020202020204" pitchFamily="34" charset="0"/>
+              </a:rPr>
+              <a:t>, библиотеки </a:t>
+            </a:r>
+            <a:r>
+              <a:rPr lang="en-US" sz="3200" dirty="0">
+                <a:latin typeface="Trebuchet MS" panose="020B0603020202020204" pitchFamily="34" charset="0"/>
+              </a:rPr>
+              <a:t>PyQt5 </a:t>
+            </a:r>
+            <a:r>
+              <a:rPr lang="ru-RU" sz="3200" dirty="0">
+                <a:latin typeface="Trebuchet MS" panose="020B0603020202020204" pitchFamily="34" charset="0"/>
+              </a:rPr>
+              <a:t>и приложения для создания графического интерфейса </a:t>
+            </a:r>
+            <a:r>
+              <a:rPr lang="en-US" sz="3200" dirty="0">
+                <a:latin typeface="Trebuchet MS" panose="020B0603020202020204" pitchFamily="34" charset="0"/>
+              </a:rPr>
+              <a:t>QtDesigner.</a:t>
+            </a:r>
+          </a:p>
+          <a:p>
+            <a:endParaRPr lang="ru-RU" sz="3200" dirty="0">
+              <a:latin typeface="Trebuchet MS" panose="020B0603020202020204" pitchFamily="34" charset="0"/>
+            </a:endParaRPr>
+          </a:p>
+          <a:p>
+            <a:r>
+              <a:rPr lang="ru-RU" sz="3200" dirty="0">
+                <a:latin typeface="Trebuchet MS" panose="020B0603020202020204" pitchFamily="34" charset="0"/>
+              </a:rPr>
+              <a:t>Возможности для доработки</a:t>
+            </a:r>
+            <a:r>
+              <a:rPr lang="en-US" sz="3200" dirty="0">
+                <a:latin typeface="Trebuchet MS" panose="020B0603020202020204" pitchFamily="34" charset="0"/>
+              </a:rPr>
+              <a:t>: </a:t>
+            </a:r>
+            <a:r>
+              <a:rPr lang="ru-RU" sz="3200" dirty="0">
+                <a:latin typeface="Trebuchet MS" panose="020B0603020202020204" pitchFamily="34" charset="0"/>
+              </a:rPr>
+              <a:t>добавить количество данных книг в библиотеке.</a:t>
+            </a:r>
+          </a:p>
+        </p:txBody>
+      </p:sp>
+    </p:spTree>
+    <p:extLst>
+      <p:ext uri="{BB962C8B-B14F-4D97-AF65-F5344CB8AC3E}">
+        <p14:creationId xmlns:p14="http://schemas.microsoft.com/office/powerpoint/2010/main" val="4152864325"/>
+      </p:ext>
+    </p:extLst>
+  </p:cSld>
+  <p:clrMapOvr>
+    <a:masterClrMapping/>
+  </p:clrMapOvr>
+</p:sld>
+</file>
+
+<file path=ppt/slides/slide15.xml><?xml version="1.0" encoding="utf-8"?>
 <p:sld xmlns:a="http://schemas.openxmlformats.org/drawingml/2006/main" xmlns:r="http://schemas.openxmlformats.org/officeDocument/2006/relationships" xmlns:p="http://schemas.openxmlformats.org/presentationml/2006/main" showMasterSp="0">
   <p:cSld>
     <p:spTree>
@@ -5832,7 +6059,7 @@
         </p:nvSpPr>
         <p:spPr>
           <a:xfrm>
-            <a:off x="895350" y="457200"/>
+            <a:off x="761999" y="228600"/>
             <a:ext cx="14740573" cy="923330"/>
           </a:xfrm>
         </p:spPr>
@@ -5866,7 +6093,7 @@
         </p:nvSpPr>
         <p:spPr>
           <a:xfrm>
-            <a:off x="742950" y="1790700"/>
+            <a:off x="742949" y="1397059"/>
             <a:ext cx="15239999" cy="738664"/>
           </a:xfrm>
         </p:spPr>
@@ -5924,10 +6151,10 @@
       </p:pic>
       <p:pic>
         <p:nvPicPr>
-          <p:cNvPr id="10" name="Рисунок 9">
+          <p:cNvPr id="3" name="Рисунок 2">
             <a:extLst>
               <a:ext uri="{FF2B5EF4-FFF2-40B4-BE49-F238E27FC236}">
-                <a16:creationId xmlns:a16="http://schemas.microsoft.com/office/drawing/2014/main" id="{E831805B-8AAD-4475-A776-26CB73FA3033}"/>
+                <a16:creationId xmlns:a16="http://schemas.microsoft.com/office/drawing/2014/main" id="{42AE3CBA-470C-4C91-B1D6-0299129D4EE9}"/>
               </a:ext>
             </a:extLst>
           </p:cNvPr>
@@ -5944,8 +6171,8 @@
         </p:blipFill>
         <p:spPr>
           <a:xfrm>
-            <a:off x="742950" y="2380853"/>
-            <a:ext cx="2590800" cy="6403675"/>
+            <a:off x="742949" y="2358401"/>
+            <a:ext cx="2750399" cy="6380927"/>
           </a:xfrm>
           <a:prstGeom prst="rect">
             <a:avLst/>
@@ -6000,7 +6227,7 @@
         </p:nvSpPr>
         <p:spPr>
           <a:xfrm>
-            <a:off x="1809750" y="685800"/>
+            <a:off x="1657350" y="381000"/>
             <a:ext cx="13040205" cy="923330"/>
           </a:xfrm>
         </p:spPr>
@@ -6174,7 +6401,7 @@
         </p:nvSpPr>
         <p:spPr>
           <a:xfrm>
-            <a:off x="1581150" y="2743200"/>
+            <a:off x="1504950" y="2311400"/>
             <a:ext cx="14173200" cy="3539430"/>
           </a:xfrm>
         </p:spPr>

--- a/Documentation/Презентация SyrezLib.pptx
+++ b/Documentation/Презентация SyrezLib.pptx
@@ -6,8 +6,8 @@
   </p:sldMasterIdLst>
   <p:sldIdLst>
     <p:sldId id="256" r:id="rId2"/>
-    <p:sldId id="257" r:id="rId3"/>
-    <p:sldId id="260" r:id="rId4"/>
+    <p:sldId id="260" r:id="rId3"/>
+    <p:sldId id="257" r:id="rId4"/>
     <p:sldId id="280" r:id="rId5"/>
     <p:sldId id="287" r:id="rId6"/>
     <p:sldId id="277" r:id="rId7"/>
@@ -276,7 +276,7 @@
           <a:p>
             <a:fld id="{1D8BD707-D9CF-40AE-B4C6-C98DA3205C09}" type="datetimeFigureOut">
               <a:rPr lang="en-US"/>
-              <a:t>11/7/2021</a:t>
+              <a:t>11/12/2021</a:t>
             </a:fld>
             <a:endParaRPr lang="en-US"/>
           </a:p>
@@ -462,7 +462,7 @@
           <a:p>
             <a:fld id="{1D8BD707-D9CF-40AE-B4C6-C98DA3205C09}" type="datetimeFigureOut">
               <a:rPr lang="en-US"/>
-              <a:t>11/7/2021</a:t>
+              <a:t>11/12/2021</a:t>
             </a:fld>
             <a:endParaRPr lang="en-US"/>
           </a:p>
@@ -685,7 +685,7 @@
           <a:p>
             <a:fld id="{1D8BD707-D9CF-40AE-B4C6-C98DA3205C09}" type="datetimeFigureOut">
               <a:rPr lang="en-US"/>
-              <a:t>11/7/2021</a:t>
+              <a:t>11/12/2021</a:t>
             </a:fld>
             <a:endParaRPr lang="en-US"/>
           </a:p>
@@ -1567,7 +1567,7 @@
           <a:p>
             <a:fld id="{1D8BD707-D9CF-40AE-B4C6-C98DA3205C09}" type="datetimeFigureOut">
               <a:rPr lang="en-US"/>
-              <a:t>11/7/2021</a:t>
+              <a:t>11/12/2021</a:t>
             </a:fld>
             <a:endParaRPr lang="en-US"/>
           </a:p>
@@ -1695,7 +1695,7 @@
           <a:p>
             <a:fld id="{1D8BD707-D9CF-40AE-B4C6-C98DA3205C09}" type="datetimeFigureOut">
               <a:rPr lang="en-US"/>
-              <a:t>11/7/2021</a:t>
+              <a:t>11/12/2021</a:t>
             </a:fld>
             <a:endParaRPr lang="en-US"/>
           </a:p>
@@ -1929,7 +1929,7 @@
           <a:p>
             <a:fld id="{1D8BD707-D9CF-40AE-B4C6-C98DA3205C09}" type="datetimeFigureOut">
               <a:rPr lang="en-US"/>
-              <a:t>11/7/2021</a:t>
+              <a:t>11/12/2021</a:t>
             </a:fld>
             <a:endParaRPr lang="en-US"/>
           </a:p>
@@ -2169,8 +2169,8 @@
         </p:nvSpPr>
         <p:spPr>
           <a:xfrm>
-            <a:off x="2150822" y="3819779"/>
-            <a:ext cx="5922645" cy="1859483"/>
+            <a:off x="1543050" y="3947058"/>
+            <a:ext cx="14249400" cy="1859483"/>
           </a:xfrm>
           <a:prstGeom prst="rect">
             <a:avLst/>
@@ -2194,9 +2194,20 @@
               <a:rPr lang="ru-RU" spc="635" dirty="0"/>
               <a:t>Приложение </a:t>
             </a:r>
+            <a:br>
+              <a:rPr lang="ru-RU" spc="635" dirty="0"/>
+            </a:br>
             <a:r>
               <a:rPr lang="en-US" spc="635" dirty="0"/>
-              <a:t>“SyrezLib”</a:t>
+              <a:t>“</a:t>
+            </a:r>
+            <a:r>
+              <a:rPr lang="ru-RU" spc="635" dirty="0"/>
+              <a:t>Система учета для библиотеки</a:t>
+            </a:r>
+            <a:r>
+              <a:rPr lang="en-US" spc="635" dirty="0"/>
+              <a:t>”</a:t>
             </a:r>
             <a:endParaRPr lang="ru-RU" spc="45" dirty="0"/>
           </a:p>
@@ -2791,7 +2802,7 @@
         <p:spPr>
           <a:xfrm>
             <a:off x="1200150" y="2133600"/>
-            <a:ext cx="14935200" cy="3539430"/>
+            <a:ext cx="14935200" cy="2554545"/>
           </a:xfrm>
           <a:prstGeom prst="rect">
             <a:avLst/>
@@ -2808,50 +2819,17 @@
               <a:rPr lang="ru-RU" sz="3200" dirty="0">
                 <a:latin typeface="Trebuchet MS" panose="020B0603020202020204" pitchFamily="34" charset="0"/>
               </a:rPr>
-              <a:t>Подводя итоги, я могу сказать, что создал приложения </a:t>
+              <a:t>Подводя итоги, я могу сказать, что создал приложения, которое направлено на ускорение и облегчение работы в библиотеках</a:t>
             </a:r>
             <a:r>
               <a:rPr lang="en-US" sz="3200" dirty="0">
                 <a:latin typeface="Trebuchet MS" panose="020B0603020202020204" pitchFamily="34" charset="0"/>
               </a:rPr>
-              <a:t>“SyrezLib”</a:t>
-            </a:r>
-            <a:r>
-              <a:rPr lang="ru-RU" sz="3200" dirty="0">
-                <a:latin typeface="Trebuchet MS" panose="020B0603020202020204" pitchFamily="34" charset="0"/>
-              </a:rPr>
-              <a:t>, которое направлено на ускорение и облегчение работы в библиотеках, с использованием языка программирования </a:t>
-            </a:r>
-            <a:r>
-              <a:rPr lang="en-US" sz="3200" dirty="0">
-                <a:latin typeface="Trebuchet MS" panose="020B0603020202020204" pitchFamily="34" charset="0"/>
-              </a:rPr>
-              <a:t>Python</a:t>
-            </a:r>
-            <a:r>
-              <a:rPr lang="ru-RU" sz="3200" dirty="0">
-                <a:latin typeface="Trebuchet MS" panose="020B0603020202020204" pitchFamily="34" charset="0"/>
-              </a:rPr>
-              <a:t>, библиотеки </a:t>
-            </a:r>
-            <a:r>
-              <a:rPr lang="en-US" sz="3200" dirty="0">
-                <a:latin typeface="Trebuchet MS" panose="020B0603020202020204" pitchFamily="34" charset="0"/>
-              </a:rPr>
-              <a:t>PyQt5 </a:t>
-            </a:r>
-            <a:r>
-              <a:rPr lang="ru-RU" sz="3200" dirty="0">
-                <a:latin typeface="Trebuchet MS" panose="020B0603020202020204" pitchFamily="34" charset="0"/>
-              </a:rPr>
-              <a:t>и приложения для создания графического интерфейса </a:t>
-            </a:r>
-            <a:r>
-              <a:rPr lang="en-US" sz="3200" dirty="0">
-                <a:latin typeface="Trebuchet MS" panose="020B0603020202020204" pitchFamily="34" charset="0"/>
-              </a:rPr>
-              <a:t>QtDesigner.</a:t>
-            </a:r>
+              <a:t>.</a:t>
+            </a:r>
+            <a:endParaRPr lang="ru-RU" sz="3200" dirty="0">
+              <a:latin typeface="Trebuchet MS" panose="020B0603020202020204" pitchFamily="34" charset="0"/>
+            </a:endParaRPr>
           </a:p>
           <a:p>
             <a:endParaRPr lang="ru-RU" sz="3200" dirty="0">
@@ -2875,7 +2853,7 @@
               <a:rPr lang="ru-RU" sz="3200" dirty="0">
                 <a:latin typeface="Trebuchet MS" panose="020B0603020202020204" pitchFamily="34" charset="0"/>
               </a:rPr>
-              <a:t>добавить количество данных книг в библиотеке.</a:t>
+              <a:t>добавить количество данной книги в библиотеке.</a:t>
             </a:r>
           </a:p>
         </p:txBody>
@@ -4605,939 +4583,6 @@
           <a:chExt cx="0" cy="0"/>
         </a:xfrm>
       </p:grpSpPr>
-      <p:grpSp>
-        <p:nvGrpSpPr>
-          <p:cNvPr id="2" name="object 2"/>
-          <p:cNvGrpSpPr/>
-          <p:nvPr/>
-        </p:nvGrpSpPr>
-        <p:grpSpPr>
-          <a:xfrm>
-            <a:off x="0" y="0"/>
-            <a:ext cx="5765800" cy="9752330"/>
-            <a:chOff x="0" y="0"/>
-            <a:chExt cx="5765800" cy="9752330"/>
-          </a:xfrm>
-        </p:grpSpPr>
-        <p:sp>
-          <p:nvSpPr>
-            <p:cNvPr id="3" name="object 3"/>
-            <p:cNvSpPr/>
-            <p:nvPr/>
-          </p:nvSpPr>
-          <p:spPr>
-            <a:xfrm>
-              <a:off x="0" y="0"/>
-              <a:ext cx="5765800" cy="9752330"/>
-            </a:xfrm>
-            <a:custGeom>
-              <a:avLst/>
-              <a:gdLst/>
-              <a:ahLst/>
-              <a:cxnLst/>
-              <a:rect l="l" t="t" r="r" b="b"/>
-              <a:pathLst>
-                <a:path w="5765800" h="9752330">
-                  <a:moveTo>
-                    <a:pt x="5765292" y="0"/>
-                  </a:moveTo>
-                  <a:lnTo>
-                    <a:pt x="0" y="0"/>
-                  </a:lnTo>
-                  <a:lnTo>
-                    <a:pt x="0" y="9752076"/>
-                  </a:lnTo>
-                  <a:lnTo>
-                    <a:pt x="5765292" y="9752076"/>
-                  </a:lnTo>
-                  <a:lnTo>
-                    <a:pt x="5765292" y="0"/>
-                  </a:lnTo>
-                  <a:close/>
-                </a:path>
-              </a:pathLst>
-            </a:custGeom>
-            <a:solidFill>
-              <a:srgbClr val="FFCC00"/>
-            </a:solidFill>
-          </p:spPr>
-          <p:txBody>
-            <a:bodyPr wrap="square" lIns="0" tIns="0" rIns="0" bIns="0" rtlCol="0"/>
-            <a:lstStyle/>
-            <a:p>
-              <a:endParaRPr/>
-            </a:p>
-          </p:txBody>
-        </p:sp>
-        <p:sp>
-          <p:nvSpPr>
-            <p:cNvPr id="4" name="object 4"/>
-            <p:cNvSpPr/>
-            <p:nvPr/>
-          </p:nvSpPr>
-          <p:spPr>
-            <a:xfrm>
-              <a:off x="1520952" y="3788664"/>
-              <a:ext cx="2723515" cy="2722245"/>
-            </a:xfrm>
-            <a:custGeom>
-              <a:avLst/>
-              <a:gdLst/>
-              <a:ahLst/>
-              <a:cxnLst/>
-              <a:rect l="l" t="t" r="r" b="b"/>
-              <a:pathLst>
-                <a:path w="2723515" h="2722245">
-                  <a:moveTo>
-                    <a:pt x="1361694" y="0"/>
-                  </a:moveTo>
-                  <a:lnTo>
-                    <a:pt x="1313889" y="822"/>
-                  </a:lnTo>
-                  <a:lnTo>
-                    <a:pt x="1266498" y="3273"/>
-                  </a:lnTo>
-                  <a:lnTo>
-                    <a:pt x="1219547" y="7325"/>
-                  </a:lnTo>
-                  <a:lnTo>
-                    <a:pt x="1173065" y="12951"/>
-                  </a:lnTo>
-                  <a:lnTo>
-                    <a:pt x="1127077" y="20124"/>
-                  </a:lnTo>
-                  <a:lnTo>
-                    <a:pt x="1081611" y="28818"/>
-                  </a:lnTo>
-                  <a:lnTo>
-                    <a:pt x="1036694" y="39004"/>
-                  </a:lnTo>
-                  <a:lnTo>
-                    <a:pt x="992352" y="50656"/>
-                  </a:lnTo>
-                  <a:lnTo>
-                    <a:pt x="948613" y="63747"/>
-                  </a:lnTo>
-                  <a:lnTo>
-                    <a:pt x="905504" y="78250"/>
-                  </a:lnTo>
-                  <a:lnTo>
-                    <a:pt x="863052" y="94139"/>
-                  </a:lnTo>
-                  <a:lnTo>
-                    <a:pt x="821284" y="111385"/>
-                  </a:lnTo>
-                  <a:lnTo>
-                    <a:pt x="780227" y="129963"/>
-                  </a:lnTo>
-                  <a:lnTo>
-                    <a:pt x="739907" y="149845"/>
-                  </a:lnTo>
-                  <a:lnTo>
-                    <a:pt x="700352" y="171004"/>
-                  </a:lnTo>
-                  <a:lnTo>
-                    <a:pt x="661589" y="193413"/>
-                  </a:lnTo>
-                  <a:lnTo>
-                    <a:pt x="623645" y="217045"/>
-                  </a:lnTo>
-                  <a:lnTo>
-                    <a:pt x="586546" y="241874"/>
-                  </a:lnTo>
-                  <a:lnTo>
-                    <a:pt x="550321" y="267872"/>
-                  </a:lnTo>
-                  <a:lnTo>
-                    <a:pt x="514995" y="295012"/>
-                  </a:lnTo>
-                  <a:lnTo>
-                    <a:pt x="480596" y="323267"/>
-                  </a:lnTo>
-                  <a:lnTo>
-                    <a:pt x="447151" y="352610"/>
-                  </a:lnTo>
-                  <a:lnTo>
-                    <a:pt x="414686" y="383015"/>
-                  </a:lnTo>
-                  <a:lnTo>
-                    <a:pt x="383230" y="414453"/>
-                  </a:lnTo>
-                  <a:lnTo>
-                    <a:pt x="352808" y="446900"/>
-                  </a:lnTo>
-                  <a:lnTo>
-                    <a:pt x="323448" y="480326"/>
-                  </a:lnTo>
-                  <a:lnTo>
-                    <a:pt x="295177" y="514706"/>
-                  </a:lnTo>
-                  <a:lnTo>
-                    <a:pt x="268022" y="550012"/>
-                  </a:lnTo>
-                  <a:lnTo>
-                    <a:pt x="242010" y="586217"/>
-                  </a:lnTo>
-                  <a:lnTo>
-                    <a:pt x="217167" y="623295"/>
-                  </a:lnTo>
-                  <a:lnTo>
-                    <a:pt x="193522" y="661218"/>
-                  </a:lnTo>
-                  <a:lnTo>
-                    <a:pt x="171100" y="699959"/>
-                  </a:lnTo>
-                  <a:lnTo>
-                    <a:pt x="149929" y="739492"/>
-                  </a:lnTo>
-                  <a:lnTo>
-                    <a:pt x="130036" y="779789"/>
-                  </a:lnTo>
-                  <a:lnTo>
-                    <a:pt x="111448" y="820824"/>
-                  </a:lnTo>
-                  <a:lnTo>
-                    <a:pt x="94192" y="862569"/>
-                  </a:lnTo>
-                  <a:lnTo>
-                    <a:pt x="78294" y="904997"/>
-                  </a:lnTo>
-                  <a:lnTo>
-                    <a:pt x="63783" y="948082"/>
-                  </a:lnTo>
-                  <a:lnTo>
-                    <a:pt x="50684" y="991796"/>
-                  </a:lnTo>
-                  <a:lnTo>
-                    <a:pt x="39026" y="1036113"/>
-                  </a:lnTo>
-                  <a:lnTo>
-                    <a:pt x="28834" y="1081005"/>
-                  </a:lnTo>
-                  <a:lnTo>
-                    <a:pt x="20136" y="1126446"/>
-                  </a:lnTo>
-                  <a:lnTo>
-                    <a:pt x="12959" y="1172408"/>
-                  </a:lnTo>
-                  <a:lnTo>
-                    <a:pt x="7330" y="1218864"/>
-                  </a:lnTo>
-                  <a:lnTo>
-                    <a:pt x="3275" y="1265789"/>
-                  </a:lnTo>
-                  <a:lnTo>
-                    <a:pt x="823" y="1313153"/>
-                  </a:lnTo>
-                  <a:lnTo>
-                    <a:pt x="0" y="1360931"/>
-                  </a:lnTo>
-                  <a:lnTo>
-                    <a:pt x="823" y="1408710"/>
-                  </a:lnTo>
-                  <a:lnTo>
-                    <a:pt x="3275" y="1456074"/>
-                  </a:lnTo>
-                  <a:lnTo>
-                    <a:pt x="7330" y="1502999"/>
-                  </a:lnTo>
-                  <a:lnTo>
-                    <a:pt x="12959" y="1549455"/>
-                  </a:lnTo>
-                  <a:lnTo>
-                    <a:pt x="20136" y="1595417"/>
-                  </a:lnTo>
-                  <a:lnTo>
-                    <a:pt x="28834" y="1640858"/>
-                  </a:lnTo>
-                  <a:lnTo>
-                    <a:pt x="39026" y="1685750"/>
-                  </a:lnTo>
-                  <a:lnTo>
-                    <a:pt x="50684" y="1730067"/>
-                  </a:lnTo>
-                  <a:lnTo>
-                    <a:pt x="63783" y="1773781"/>
-                  </a:lnTo>
-                  <a:lnTo>
-                    <a:pt x="78294" y="1816866"/>
-                  </a:lnTo>
-                  <a:lnTo>
-                    <a:pt x="94192" y="1859294"/>
-                  </a:lnTo>
-                  <a:lnTo>
-                    <a:pt x="111448" y="1901039"/>
-                  </a:lnTo>
-                  <a:lnTo>
-                    <a:pt x="130036" y="1942074"/>
-                  </a:lnTo>
-                  <a:lnTo>
-                    <a:pt x="149929" y="1982371"/>
-                  </a:lnTo>
-                  <a:lnTo>
-                    <a:pt x="171100" y="2021904"/>
-                  </a:lnTo>
-                  <a:lnTo>
-                    <a:pt x="193522" y="2060645"/>
-                  </a:lnTo>
-                  <a:lnTo>
-                    <a:pt x="217167" y="2098568"/>
-                  </a:lnTo>
-                  <a:lnTo>
-                    <a:pt x="242010" y="2135646"/>
-                  </a:lnTo>
-                  <a:lnTo>
-                    <a:pt x="268022" y="2171851"/>
-                  </a:lnTo>
-                  <a:lnTo>
-                    <a:pt x="295177" y="2207157"/>
-                  </a:lnTo>
-                  <a:lnTo>
-                    <a:pt x="323448" y="2241537"/>
-                  </a:lnTo>
-                  <a:lnTo>
-                    <a:pt x="352808" y="2274963"/>
-                  </a:lnTo>
-                  <a:lnTo>
-                    <a:pt x="383230" y="2307410"/>
-                  </a:lnTo>
-                  <a:lnTo>
-                    <a:pt x="414686" y="2338848"/>
-                  </a:lnTo>
-                  <a:lnTo>
-                    <a:pt x="447151" y="2369253"/>
-                  </a:lnTo>
-                  <a:lnTo>
-                    <a:pt x="480596" y="2398596"/>
-                  </a:lnTo>
-                  <a:lnTo>
-                    <a:pt x="514995" y="2426851"/>
-                  </a:lnTo>
-                  <a:lnTo>
-                    <a:pt x="550321" y="2453991"/>
-                  </a:lnTo>
-                  <a:lnTo>
-                    <a:pt x="586546" y="2479989"/>
-                  </a:lnTo>
-                  <a:lnTo>
-                    <a:pt x="623645" y="2504818"/>
-                  </a:lnTo>
-                  <a:lnTo>
-                    <a:pt x="661589" y="2528450"/>
-                  </a:lnTo>
-                  <a:lnTo>
-                    <a:pt x="700352" y="2550859"/>
-                  </a:lnTo>
-                  <a:lnTo>
-                    <a:pt x="739907" y="2572018"/>
-                  </a:lnTo>
-                  <a:lnTo>
-                    <a:pt x="780227" y="2591900"/>
-                  </a:lnTo>
-                  <a:lnTo>
-                    <a:pt x="821284" y="2610478"/>
-                  </a:lnTo>
-                  <a:lnTo>
-                    <a:pt x="863052" y="2627724"/>
-                  </a:lnTo>
-                  <a:lnTo>
-                    <a:pt x="905504" y="2643613"/>
-                  </a:lnTo>
-                  <a:lnTo>
-                    <a:pt x="948613" y="2658116"/>
-                  </a:lnTo>
-                  <a:lnTo>
-                    <a:pt x="992352" y="2671207"/>
-                  </a:lnTo>
-                  <a:lnTo>
-                    <a:pt x="1036694" y="2682859"/>
-                  </a:lnTo>
-                  <a:lnTo>
-                    <a:pt x="1081611" y="2693045"/>
-                  </a:lnTo>
-                  <a:lnTo>
-                    <a:pt x="1127077" y="2701739"/>
-                  </a:lnTo>
-                  <a:lnTo>
-                    <a:pt x="1173065" y="2708912"/>
-                  </a:lnTo>
-                  <a:lnTo>
-                    <a:pt x="1219547" y="2714538"/>
-                  </a:lnTo>
-                  <a:lnTo>
-                    <a:pt x="1266498" y="2718590"/>
-                  </a:lnTo>
-                  <a:lnTo>
-                    <a:pt x="1313889" y="2721041"/>
-                  </a:lnTo>
-                  <a:lnTo>
-                    <a:pt x="1361694" y="2721863"/>
-                  </a:lnTo>
-                  <a:lnTo>
-                    <a:pt x="1409498" y="2721041"/>
-                  </a:lnTo>
-                  <a:lnTo>
-                    <a:pt x="1456889" y="2718590"/>
-                  </a:lnTo>
-                  <a:lnTo>
-                    <a:pt x="1503840" y="2714538"/>
-                  </a:lnTo>
-                  <a:lnTo>
-                    <a:pt x="1550322" y="2708912"/>
-                  </a:lnTo>
-                  <a:lnTo>
-                    <a:pt x="1596310" y="2701739"/>
-                  </a:lnTo>
-                  <a:lnTo>
-                    <a:pt x="1641776" y="2693045"/>
-                  </a:lnTo>
-                  <a:lnTo>
-                    <a:pt x="1686693" y="2682859"/>
-                  </a:lnTo>
-                  <a:lnTo>
-                    <a:pt x="1731035" y="2671207"/>
-                  </a:lnTo>
-                  <a:lnTo>
-                    <a:pt x="1774774" y="2658116"/>
-                  </a:lnTo>
-                  <a:lnTo>
-                    <a:pt x="1817883" y="2643613"/>
-                  </a:lnTo>
-                  <a:lnTo>
-                    <a:pt x="1860335" y="2627724"/>
-                  </a:lnTo>
-                  <a:lnTo>
-                    <a:pt x="1902103" y="2610478"/>
-                  </a:lnTo>
-                  <a:lnTo>
-                    <a:pt x="1943160" y="2591900"/>
-                  </a:lnTo>
-                  <a:lnTo>
-                    <a:pt x="1983480" y="2572018"/>
-                  </a:lnTo>
-                  <a:lnTo>
-                    <a:pt x="2023035" y="2550859"/>
-                  </a:lnTo>
-                  <a:lnTo>
-                    <a:pt x="2061798" y="2528450"/>
-                  </a:lnTo>
-                  <a:lnTo>
-                    <a:pt x="2099742" y="2504818"/>
-                  </a:lnTo>
-                  <a:lnTo>
-                    <a:pt x="2136841" y="2479989"/>
-                  </a:lnTo>
-                  <a:lnTo>
-                    <a:pt x="2173066" y="2453991"/>
-                  </a:lnTo>
-                  <a:lnTo>
-                    <a:pt x="2208392" y="2426851"/>
-                  </a:lnTo>
-                  <a:lnTo>
-                    <a:pt x="2242791" y="2398596"/>
-                  </a:lnTo>
-                  <a:lnTo>
-                    <a:pt x="2276236" y="2369253"/>
-                  </a:lnTo>
-                  <a:lnTo>
-                    <a:pt x="2308701" y="2338848"/>
-                  </a:lnTo>
-                  <a:lnTo>
-                    <a:pt x="2340157" y="2307410"/>
-                  </a:lnTo>
-                  <a:lnTo>
-                    <a:pt x="2370579" y="2274963"/>
-                  </a:lnTo>
-                  <a:lnTo>
-                    <a:pt x="2399939" y="2241537"/>
-                  </a:lnTo>
-                  <a:lnTo>
-                    <a:pt x="2428210" y="2207157"/>
-                  </a:lnTo>
-                  <a:lnTo>
-                    <a:pt x="2455365" y="2171851"/>
-                  </a:lnTo>
-                  <a:lnTo>
-                    <a:pt x="2481377" y="2135646"/>
-                  </a:lnTo>
-                  <a:lnTo>
-                    <a:pt x="2506220" y="2098568"/>
-                  </a:lnTo>
-                  <a:lnTo>
-                    <a:pt x="2529865" y="2060645"/>
-                  </a:lnTo>
-                  <a:lnTo>
-                    <a:pt x="2552287" y="2021904"/>
-                  </a:lnTo>
-                  <a:lnTo>
-                    <a:pt x="2573458" y="1982371"/>
-                  </a:lnTo>
-                  <a:lnTo>
-                    <a:pt x="2593351" y="1942074"/>
-                  </a:lnTo>
-                  <a:lnTo>
-                    <a:pt x="2611939" y="1901039"/>
-                  </a:lnTo>
-                  <a:lnTo>
-                    <a:pt x="2629195" y="1859294"/>
-                  </a:lnTo>
-                  <a:lnTo>
-                    <a:pt x="2645093" y="1816866"/>
-                  </a:lnTo>
-                  <a:lnTo>
-                    <a:pt x="2659604" y="1773781"/>
-                  </a:lnTo>
-                  <a:lnTo>
-                    <a:pt x="2672703" y="1730067"/>
-                  </a:lnTo>
-                  <a:lnTo>
-                    <a:pt x="2684361" y="1685750"/>
-                  </a:lnTo>
-                  <a:lnTo>
-                    <a:pt x="2694553" y="1640858"/>
-                  </a:lnTo>
-                  <a:lnTo>
-                    <a:pt x="2703251" y="1595417"/>
-                  </a:lnTo>
-                  <a:lnTo>
-                    <a:pt x="2710428" y="1549455"/>
-                  </a:lnTo>
-                  <a:lnTo>
-                    <a:pt x="2716057" y="1502999"/>
-                  </a:lnTo>
-                  <a:lnTo>
-                    <a:pt x="2720112" y="1456074"/>
-                  </a:lnTo>
-                  <a:lnTo>
-                    <a:pt x="2722564" y="1408710"/>
-                  </a:lnTo>
-                  <a:lnTo>
-                    <a:pt x="2723388" y="1360931"/>
-                  </a:lnTo>
-                  <a:lnTo>
-                    <a:pt x="2722564" y="1313153"/>
-                  </a:lnTo>
-                  <a:lnTo>
-                    <a:pt x="2720112" y="1265789"/>
-                  </a:lnTo>
-                  <a:lnTo>
-                    <a:pt x="2716057" y="1218864"/>
-                  </a:lnTo>
-                  <a:lnTo>
-                    <a:pt x="2710428" y="1172408"/>
-                  </a:lnTo>
-                  <a:lnTo>
-                    <a:pt x="2703251" y="1126446"/>
-                  </a:lnTo>
-                  <a:lnTo>
-                    <a:pt x="2694553" y="1081005"/>
-                  </a:lnTo>
-                  <a:lnTo>
-                    <a:pt x="2684361" y="1036113"/>
-                  </a:lnTo>
-                  <a:lnTo>
-                    <a:pt x="2672703" y="991796"/>
-                  </a:lnTo>
-                  <a:lnTo>
-                    <a:pt x="2659604" y="948082"/>
-                  </a:lnTo>
-                  <a:lnTo>
-                    <a:pt x="2645093" y="904997"/>
-                  </a:lnTo>
-                  <a:lnTo>
-                    <a:pt x="2629195" y="862569"/>
-                  </a:lnTo>
-                  <a:lnTo>
-                    <a:pt x="2611939" y="820824"/>
-                  </a:lnTo>
-                  <a:lnTo>
-                    <a:pt x="2593351" y="779789"/>
-                  </a:lnTo>
-                  <a:lnTo>
-                    <a:pt x="2573458" y="739492"/>
-                  </a:lnTo>
-                  <a:lnTo>
-                    <a:pt x="2552287" y="699959"/>
-                  </a:lnTo>
-                  <a:lnTo>
-                    <a:pt x="2529865" y="661218"/>
-                  </a:lnTo>
-                  <a:lnTo>
-                    <a:pt x="2506220" y="623295"/>
-                  </a:lnTo>
-                  <a:lnTo>
-                    <a:pt x="2481377" y="586217"/>
-                  </a:lnTo>
-                  <a:lnTo>
-                    <a:pt x="2455365" y="550012"/>
-                  </a:lnTo>
-                  <a:lnTo>
-                    <a:pt x="2428210" y="514706"/>
-                  </a:lnTo>
-                  <a:lnTo>
-                    <a:pt x="2399939" y="480326"/>
-                  </a:lnTo>
-                  <a:lnTo>
-                    <a:pt x="2370579" y="446900"/>
-                  </a:lnTo>
-                  <a:lnTo>
-                    <a:pt x="2340157" y="414453"/>
-                  </a:lnTo>
-                  <a:lnTo>
-                    <a:pt x="2308701" y="383015"/>
-                  </a:lnTo>
-                  <a:lnTo>
-                    <a:pt x="2276236" y="352610"/>
-                  </a:lnTo>
-                  <a:lnTo>
-                    <a:pt x="2242791" y="323267"/>
-                  </a:lnTo>
-                  <a:lnTo>
-                    <a:pt x="2208392" y="295012"/>
-                  </a:lnTo>
-                  <a:lnTo>
-                    <a:pt x="2173066" y="267872"/>
-                  </a:lnTo>
-                  <a:lnTo>
-                    <a:pt x="2136841" y="241874"/>
-                  </a:lnTo>
-                  <a:lnTo>
-                    <a:pt x="2099742" y="217045"/>
-                  </a:lnTo>
-                  <a:lnTo>
-                    <a:pt x="2061798" y="193413"/>
-                  </a:lnTo>
-                  <a:lnTo>
-                    <a:pt x="2023035" y="171004"/>
-                  </a:lnTo>
-                  <a:lnTo>
-                    <a:pt x="1983480" y="149845"/>
-                  </a:lnTo>
-                  <a:lnTo>
-                    <a:pt x="1943160" y="129963"/>
-                  </a:lnTo>
-                  <a:lnTo>
-                    <a:pt x="1902103" y="111385"/>
-                  </a:lnTo>
-                  <a:lnTo>
-                    <a:pt x="1860335" y="94139"/>
-                  </a:lnTo>
-                  <a:lnTo>
-                    <a:pt x="1817883" y="78250"/>
-                  </a:lnTo>
-                  <a:lnTo>
-                    <a:pt x="1774774" y="63747"/>
-                  </a:lnTo>
-                  <a:lnTo>
-                    <a:pt x="1731035" y="50656"/>
-                  </a:lnTo>
-                  <a:lnTo>
-                    <a:pt x="1686693" y="39004"/>
-                  </a:lnTo>
-                  <a:lnTo>
-                    <a:pt x="1641776" y="28818"/>
-                  </a:lnTo>
-                  <a:lnTo>
-                    <a:pt x="1596310" y="20124"/>
-                  </a:lnTo>
-                  <a:lnTo>
-                    <a:pt x="1550322" y="12951"/>
-                  </a:lnTo>
-                  <a:lnTo>
-                    <a:pt x="1503840" y="7325"/>
-                  </a:lnTo>
-                  <a:lnTo>
-                    <a:pt x="1456889" y="3273"/>
-                  </a:lnTo>
-                  <a:lnTo>
-                    <a:pt x="1409498" y="822"/>
-                  </a:lnTo>
-                  <a:lnTo>
-                    <a:pt x="1361694" y="0"/>
-                  </a:lnTo>
-                  <a:close/>
-                </a:path>
-              </a:pathLst>
-            </a:custGeom>
-            <a:solidFill>
-              <a:srgbClr val="FFFFFF"/>
-            </a:solidFill>
-          </p:spPr>
-          <p:txBody>
-            <a:bodyPr wrap="square" lIns="0" tIns="0" rIns="0" bIns="0" rtlCol="0"/>
-            <a:lstStyle/>
-            <a:p>
-              <a:endParaRPr/>
-            </a:p>
-          </p:txBody>
-        </p:sp>
-      </p:grpSp>
-      <p:sp>
-        <p:nvSpPr>
-          <p:cNvPr id="5" name="object 5"/>
-          <p:cNvSpPr txBox="1">
-            <a:spLocks noGrp="1"/>
-          </p:cNvSpPr>
-          <p:nvPr>
-            <p:ph type="title"/>
-          </p:nvPr>
-        </p:nvSpPr>
-        <p:spPr>
-          <a:xfrm>
-            <a:off x="646099" y="409361"/>
-            <a:ext cx="4498975" cy="1951816"/>
-          </a:xfrm>
-          <a:prstGeom prst="rect">
-            <a:avLst/>
-          </a:prstGeom>
-        </p:spPr>
-        <p:txBody>
-          <a:bodyPr vert="horz" wrap="square" lIns="0" tIns="12700" rIns="0" bIns="0" rtlCol="0">
-            <a:spAutoFit/>
-          </a:bodyPr>
-          <a:lstStyle/>
-          <a:p>
-            <a:pPr marL="12700">
-              <a:lnSpc>
-                <a:spcPct val="100000"/>
-              </a:lnSpc>
-              <a:spcBef>
-                <a:spcPts val="100"/>
-              </a:spcBef>
-            </a:pPr>
-            <a:r>
-              <a:rPr lang="ru-RU" sz="4200" spc="250" dirty="0"/>
-              <a:t>Необходимость в </a:t>
-            </a:r>
-            <a:r>
-              <a:rPr lang="ru-RU" sz="4200" spc="185" dirty="0"/>
-              <a:t>данном приложении</a:t>
-            </a:r>
-            <a:r>
-              <a:rPr sz="4200" spc="470" dirty="0"/>
-              <a:t>?</a:t>
-            </a:r>
-            <a:endParaRPr sz="4200" dirty="0"/>
-          </a:p>
-        </p:txBody>
-      </p:sp>
-      <p:sp>
-        <p:nvSpPr>
-          <p:cNvPr id="6" name="object 6"/>
-          <p:cNvSpPr txBox="1"/>
-          <p:nvPr/>
-        </p:nvSpPr>
-        <p:spPr>
-          <a:xfrm>
-            <a:off x="6411900" y="526639"/>
-            <a:ext cx="10485450" cy="4298612"/>
-          </a:xfrm>
-          <a:prstGeom prst="rect">
-            <a:avLst/>
-          </a:prstGeom>
-        </p:spPr>
-        <p:txBody>
-          <a:bodyPr vert="horz" wrap="square" lIns="0" tIns="233679" rIns="0" bIns="0" rtlCol="0">
-            <a:spAutoFit/>
-          </a:bodyPr>
-          <a:lstStyle/>
-          <a:p>
-            <a:pPr marL="12700">
-              <a:spcBef>
-                <a:spcPts val="1839"/>
-              </a:spcBef>
-            </a:pPr>
-            <a:r>
-              <a:rPr sz="4150" spc="-270" dirty="0">
-                <a:latin typeface="Trebuchet MS"/>
-                <a:cs typeface="Trebuchet MS"/>
-              </a:rPr>
-              <a:t>›</a:t>
-            </a:r>
-            <a:r>
-              <a:rPr lang="ru-RU" sz="4150" spc="325" dirty="0">
-                <a:latin typeface="Trebuchet MS"/>
-                <a:cs typeface="Trebuchet MS"/>
-              </a:rPr>
-              <a:t> </a:t>
-            </a:r>
-            <a:r>
-              <a:rPr lang="ru-RU" sz="3600" spc="65" dirty="0">
-                <a:latin typeface="Trebuchet MS"/>
-                <a:cs typeface="Trebuchet MS"/>
-              </a:rPr>
-              <a:t>Ускорение работы в библиотеке</a:t>
-            </a:r>
-            <a:endParaRPr sz="3600" dirty="0">
-              <a:latin typeface="Trebuchet MS"/>
-              <a:cs typeface="Trebuchet MS"/>
-            </a:endParaRPr>
-          </a:p>
-          <a:p>
-            <a:pPr marL="12700">
-              <a:spcBef>
-                <a:spcPts val="1739"/>
-              </a:spcBef>
-            </a:pPr>
-            <a:r>
-              <a:rPr sz="3600" spc="-270" dirty="0">
-                <a:latin typeface="Trebuchet MS"/>
-                <a:cs typeface="Trebuchet MS"/>
-              </a:rPr>
-              <a:t>›</a:t>
-            </a:r>
-            <a:r>
-              <a:rPr lang="ru-RU" sz="3600" spc="325" dirty="0">
-                <a:latin typeface="Trebuchet MS"/>
-                <a:cs typeface="Trebuchet MS"/>
-              </a:rPr>
-              <a:t> </a:t>
-            </a:r>
-            <a:r>
-              <a:rPr lang="ru-RU" sz="3600" spc="280" dirty="0">
-                <a:latin typeface="Trebuchet MS"/>
-                <a:cs typeface="Trebuchet MS"/>
-              </a:rPr>
-              <a:t>Облегчение работы для сотрудников библиотеки и клиентов</a:t>
-            </a:r>
-            <a:endParaRPr lang="ru-RU" sz="3600" dirty="0">
-              <a:latin typeface="Trebuchet MS"/>
-              <a:cs typeface="Trebuchet MS"/>
-            </a:endParaRPr>
-          </a:p>
-          <a:p>
-            <a:pPr marL="12700">
-              <a:spcBef>
-                <a:spcPts val="1739"/>
-              </a:spcBef>
-            </a:pPr>
-            <a:r>
-              <a:rPr lang="ru-RU" sz="3600" spc="-270" dirty="0">
-                <a:latin typeface="Trebuchet MS"/>
-                <a:cs typeface="Trebuchet MS"/>
-              </a:rPr>
-              <a:t>› </a:t>
-            </a:r>
-            <a:r>
-              <a:rPr lang="ru-RU" sz="3600" spc="325" dirty="0">
-                <a:latin typeface="Trebuchet MS" panose="020B0603020202020204" pitchFamily="34" charset="0"/>
-                <a:cs typeface="Trebuchet MS"/>
-              </a:rPr>
-              <a:t>Переход с бумажных носителей</a:t>
-            </a:r>
-          </a:p>
-          <a:p>
-            <a:pPr marL="12700">
-              <a:spcBef>
-                <a:spcPts val="1739"/>
-              </a:spcBef>
-            </a:pPr>
-            <a:r>
-              <a:rPr lang="ru-RU" sz="3600" spc="-270" dirty="0">
-                <a:latin typeface="Trebuchet MS"/>
-                <a:cs typeface="Trebuchet MS"/>
-              </a:rPr>
-              <a:t>› </a:t>
-            </a:r>
-            <a:r>
-              <a:rPr lang="ru-RU" sz="3600" dirty="0">
-                <a:effectLst/>
-                <a:latin typeface="Trebuchet MS" panose="020B0603020202020204" pitchFamily="34" charset="0"/>
-                <a:ea typeface="Calibri" panose="020F0502020204030204" pitchFamily="34" charset="0"/>
-              </a:rPr>
-              <a:t>Картотека библиотек занимает значительное количество площади</a:t>
-            </a:r>
-            <a:endParaRPr lang="ru-RU" sz="3600" dirty="0">
-              <a:latin typeface="Trebuchet MS" panose="020B0603020202020204" pitchFamily="34" charset="0"/>
-              <a:cs typeface="Trebuchet MS"/>
-            </a:endParaRPr>
-          </a:p>
-        </p:txBody>
-      </p:sp>
-      <p:pic>
-        <p:nvPicPr>
-          <p:cNvPr id="7" name="object 7"/>
-          <p:cNvPicPr/>
-          <p:nvPr/>
-        </p:nvPicPr>
-        <p:blipFill>
-          <a:blip r:embed="rId2" cstate="print"/>
-          <a:stretch>
-            <a:fillRect/>
-          </a:stretch>
-        </p:blipFill>
-        <p:spPr>
-          <a:xfrm>
-            <a:off x="1863851" y="4276344"/>
-            <a:ext cx="2203703" cy="1828038"/>
-          </a:xfrm>
-          <a:prstGeom prst="rect">
-            <a:avLst/>
-          </a:prstGeom>
-        </p:spPr>
-      </p:pic>
-      <p:sp>
-        <p:nvSpPr>
-          <p:cNvPr id="8" name="object 8"/>
-          <p:cNvSpPr txBox="1">
-            <a:spLocks noGrp="1"/>
-          </p:cNvSpPr>
-          <p:nvPr>
-            <p:ph type="sldNum" sz="quarter" idx="7"/>
-          </p:nvPr>
-        </p:nvSpPr>
-        <p:spPr>
-          <a:prstGeom prst="rect">
-            <a:avLst/>
-          </a:prstGeom>
-        </p:spPr>
-        <p:txBody>
-          <a:bodyPr vert="horz" wrap="square" lIns="0" tIns="3810" rIns="0" bIns="0" rtlCol="0">
-            <a:spAutoFit/>
-          </a:bodyPr>
-          <a:lstStyle/>
-          <a:p>
-            <a:pPr marL="137160">
-              <a:lnSpc>
-                <a:spcPct val="100000"/>
-              </a:lnSpc>
-              <a:spcBef>
-                <a:spcPts val="30"/>
-              </a:spcBef>
-            </a:pPr>
-            <a:fld id="{81D60167-4931-47E6-BA6A-407CBD079E47}" type="slidenum">
-              <a:rPr spc="45" dirty="0"/>
-              <a:t>2</a:t>
-            </a:fld>
-            <a:endParaRPr spc="45" dirty="0"/>
-          </a:p>
-        </p:txBody>
-      </p:sp>
-    </p:spTree>
-  </p:cSld>
-  <p:clrMapOvr>
-    <a:masterClrMapping/>
-  </p:clrMapOvr>
-</p:sld>
-</file>
-
-<file path=ppt/slides/slide3.xml><?xml version="1.0" encoding="utf-8"?>
-<p:sld xmlns:a="http://schemas.openxmlformats.org/drawingml/2006/main" xmlns:r="http://schemas.openxmlformats.org/officeDocument/2006/relationships" xmlns:p="http://schemas.openxmlformats.org/presentationml/2006/main" showMasterSp="0">
-  <p:cSld>
-    <p:spTree>
-      <p:nvGrpSpPr>
-        <p:cNvPr id="1" name=""/>
-        <p:cNvGrpSpPr/>
-        <p:nvPr/>
-      </p:nvGrpSpPr>
-      <p:grpSpPr>
-        <a:xfrm>
-          <a:off x="0" y="0"/>
-          <a:ext cx="0" cy="0"/>
-          <a:chOff x="0" y="0"/>
-          <a:chExt cx="0" cy="0"/>
-        </a:xfrm>
-      </p:grpSpPr>
       <p:sp>
         <p:nvSpPr>
           <p:cNvPr id="2" name="object 2"/>
@@ -5760,7 +4805,7 @@
                 <a:latin typeface="Trebuchet MS" panose="020B0603020202020204" pitchFamily="34" charset="0"/>
                 <a:ea typeface="Calibri" panose="020F0502020204030204" pitchFamily="34" charset="0"/>
               </a:rPr>
-              <a:t>Разработка приложения</a:t>
+              <a:t>Разработать приложения</a:t>
             </a:r>
             <a:r>
               <a:rPr lang="en-US" sz="2800" dirty="0">
@@ -5814,27 +4859,6 @@
                 <a:ea typeface="Calibri" panose="020F0502020204030204" pitchFamily="34" charset="0"/>
               </a:rPr>
               <a:t>«</a:t>
-            </a:r>
-            <a:r>
-              <a:rPr lang="en-US" sz="2800" dirty="0">
-                <a:solidFill>
-                  <a:srgbClr val="000000"/>
-                </a:solidFill>
-                <a:effectLst/>
-                <a:latin typeface="Trebuchet MS" panose="020B0603020202020204" pitchFamily="34" charset="0"/>
-                <a:ea typeface="Calibri" panose="020F0502020204030204" pitchFamily="34" charset="0"/>
-              </a:rPr>
-              <a:t>SyrezLib </a:t>
-            </a:r>
-            <a:r>
-              <a:rPr lang="en-US" sz="2800" dirty="0">
-                <a:solidFill>
-                  <a:srgbClr val="000000"/>
-                </a:solidFill>
-                <a:latin typeface="Trebuchet MS" panose="020B0603020202020204" pitchFamily="34" charset="0"/>
-                <a:ea typeface="Calibri" panose="020F0502020204030204" pitchFamily="34" charset="0"/>
-              </a:rPr>
-              <a:t>- </a:t>
             </a:r>
             <a:r>
               <a:rPr lang="ru-RU" sz="2800" dirty="0">
@@ -5938,7 +4962,7 @@
         <p:spPr>
           <a:xfrm>
             <a:off x="3704637" y="2946358"/>
-            <a:ext cx="1031875" cy="513715"/>
+            <a:ext cx="1305513" cy="505267"/>
           </a:xfrm>
           <a:prstGeom prst="rect">
             <a:avLst/>
@@ -5959,20 +4983,13 @@
               </a:spcBef>
             </a:pPr>
             <a:r>
-              <a:rPr sz="3200" spc="375" dirty="0">
+              <a:rPr lang="ru-RU" sz="3200" dirty="0">
                 <a:latin typeface="Trebuchet MS"/>
                 <a:cs typeface="Trebuchet MS"/>
               </a:rPr>
-              <a:t>Ц</a:t>
-            </a:r>
-            <a:r>
-              <a:rPr sz="3200" spc="25" dirty="0">
-                <a:latin typeface="Trebuchet MS"/>
-                <a:cs typeface="Trebuchet MS"/>
-              </a:rPr>
-              <a:t>ели</a:t>
-            </a:r>
-            <a:endParaRPr sz="3200">
+              <a:t>Цель</a:t>
+            </a:r>
+            <a:endParaRPr sz="3200" dirty="0">
               <a:latin typeface="Trebuchet MS"/>
               <a:cs typeface="Trebuchet MS"/>
             </a:endParaRPr>
@@ -5982,6 +4999,998 @@
       <p:sp>
         <p:nvSpPr>
           <p:cNvPr id="10" name="object 10"/>
+          <p:cNvSpPr txBox="1">
+            <a:spLocks noGrp="1"/>
+          </p:cNvSpPr>
+          <p:nvPr>
+            <p:ph type="sldNum" sz="quarter" idx="7"/>
+          </p:nvPr>
+        </p:nvSpPr>
+        <p:spPr>
+          <a:prstGeom prst="rect">
+            <a:avLst/>
+          </a:prstGeom>
+        </p:spPr>
+        <p:txBody>
+          <a:bodyPr vert="horz" wrap="square" lIns="0" tIns="3810" rIns="0" bIns="0" rtlCol="0">
+            <a:spAutoFit/>
+          </a:bodyPr>
+          <a:lstStyle/>
+          <a:p>
+            <a:pPr marL="137160">
+              <a:lnSpc>
+                <a:spcPct val="100000"/>
+              </a:lnSpc>
+              <a:spcBef>
+                <a:spcPts val="30"/>
+              </a:spcBef>
+            </a:pPr>
+            <a:fld id="{81D60167-4931-47E6-BA6A-407CBD079E47}" type="slidenum">
+              <a:rPr spc="45" dirty="0"/>
+              <a:t>2</a:t>
+            </a:fld>
+            <a:endParaRPr spc="45" dirty="0"/>
+          </a:p>
+        </p:txBody>
+      </p:sp>
+    </p:spTree>
+  </p:cSld>
+  <p:clrMapOvr>
+    <a:masterClrMapping/>
+  </p:clrMapOvr>
+</p:sld>
+</file>
+
+<file path=ppt/slides/slide3.xml><?xml version="1.0" encoding="utf-8"?>
+<p:sld xmlns:a="http://schemas.openxmlformats.org/drawingml/2006/main" xmlns:r="http://schemas.openxmlformats.org/officeDocument/2006/relationships" xmlns:p="http://schemas.openxmlformats.org/presentationml/2006/main" showMasterSp="0">
+  <p:cSld>
+    <p:spTree>
+      <p:nvGrpSpPr>
+        <p:cNvPr id="1" name=""/>
+        <p:cNvGrpSpPr/>
+        <p:nvPr/>
+      </p:nvGrpSpPr>
+      <p:grpSpPr>
+        <a:xfrm>
+          <a:off x="0" y="0"/>
+          <a:ext cx="0" cy="0"/>
+          <a:chOff x="0" y="0"/>
+          <a:chExt cx="0" cy="0"/>
+        </a:xfrm>
+      </p:grpSpPr>
+      <p:grpSp>
+        <p:nvGrpSpPr>
+          <p:cNvPr id="2" name="object 2"/>
+          <p:cNvGrpSpPr/>
+          <p:nvPr/>
+        </p:nvGrpSpPr>
+        <p:grpSpPr>
+          <a:xfrm>
+            <a:off x="0" y="0"/>
+            <a:ext cx="5765800" cy="9752330"/>
+            <a:chOff x="0" y="0"/>
+            <a:chExt cx="5765800" cy="9752330"/>
+          </a:xfrm>
+        </p:grpSpPr>
+        <p:sp>
+          <p:nvSpPr>
+            <p:cNvPr id="3" name="object 3"/>
+            <p:cNvSpPr/>
+            <p:nvPr/>
+          </p:nvSpPr>
+          <p:spPr>
+            <a:xfrm>
+              <a:off x="0" y="0"/>
+              <a:ext cx="5765800" cy="9752330"/>
+            </a:xfrm>
+            <a:custGeom>
+              <a:avLst/>
+              <a:gdLst/>
+              <a:ahLst/>
+              <a:cxnLst/>
+              <a:rect l="l" t="t" r="r" b="b"/>
+              <a:pathLst>
+                <a:path w="5765800" h="9752330">
+                  <a:moveTo>
+                    <a:pt x="5765292" y="0"/>
+                  </a:moveTo>
+                  <a:lnTo>
+                    <a:pt x="0" y="0"/>
+                  </a:lnTo>
+                  <a:lnTo>
+                    <a:pt x="0" y="9752076"/>
+                  </a:lnTo>
+                  <a:lnTo>
+                    <a:pt x="5765292" y="9752076"/>
+                  </a:lnTo>
+                  <a:lnTo>
+                    <a:pt x="5765292" y="0"/>
+                  </a:lnTo>
+                  <a:close/>
+                </a:path>
+              </a:pathLst>
+            </a:custGeom>
+            <a:solidFill>
+              <a:srgbClr val="FFCC00"/>
+            </a:solidFill>
+          </p:spPr>
+          <p:txBody>
+            <a:bodyPr wrap="square" lIns="0" tIns="0" rIns="0" bIns="0" rtlCol="0"/>
+            <a:lstStyle/>
+            <a:p>
+              <a:endParaRPr/>
+            </a:p>
+          </p:txBody>
+        </p:sp>
+        <p:sp>
+          <p:nvSpPr>
+            <p:cNvPr id="4" name="object 4"/>
+            <p:cNvSpPr/>
+            <p:nvPr/>
+          </p:nvSpPr>
+          <p:spPr>
+            <a:xfrm>
+              <a:off x="1520952" y="3788664"/>
+              <a:ext cx="2723515" cy="2722245"/>
+            </a:xfrm>
+            <a:custGeom>
+              <a:avLst/>
+              <a:gdLst/>
+              <a:ahLst/>
+              <a:cxnLst/>
+              <a:rect l="l" t="t" r="r" b="b"/>
+              <a:pathLst>
+                <a:path w="2723515" h="2722245">
+                  <a:moveTo>
+                    <a:pt x="1361694" y="0"/>
+                  </a:moveTo>
+                  <a:lnTo>
+                    <a:pt x="1313889" y="822"/>
+                  </a:lnTo>
+                  <a:lnTo>
+                    <a:pt x="1266498" y="3273"/>
+                  </a:lnTo>
+                  <a:lnTo>
+                    <a:pt x="1219547" y="7325"/>
+                  </a:lnTo>
+                  <a:lnTo>
+                    <a:pt x="1173065" y="12951"/>
+                  </a:lnTo>
+                  <a:lnTo>
+                    <a:pt x="1127077" y="20124"/>
+                  </a:lnTo>
+                  <a:lnTo>
+                    <a:pt x="1081611" y="28818"/>
+                  </a:lnTo>
+                  <a:lnTo>
+                    <a:pt x="1036694" y="39004"/>
+                  </a:lnTo>
+                  <a:lnTo>
+                    <a:pt x="992352" y="50656"/>
+                  </a:lnTo>
+                  <a:lnTo>
+                    <a:pt x="948613" y="63747"/>
+                  </a:lnTo>
+                  <a:lnTo>
+                    <a:pt x="905504" y="78250"/>
+                  </a:lnTo>
+                  <a:lnTo>
+                    <a:pt x="863052" y="94139"/>
+                  </a:lnTo>
+                  <a:lnTo>
+                    <a:pt x="821284" y="111385"/>
+                  </a:lnTo>
+                  <a:lnTo>
+                    <a:pt x="780227" y="129963"/>
+                  </a:lnTo>
+                  <a:lnTo>
+                    <a:pt x="739907" y="149845"/>
+                  </a:lnTo>
+                  <a:lnTo>
+                    <a:pt x="700352" y="171004"/>
+                  </a:lnTo>
+                  <a:lnTo>
+                    <a:pt x="661589" y="193413"/>
+                  </a:lnTo>
+                  <a:lnTo>
+                    <a:pt x="623645" y="217045"/>
+                  </a:lnTo>
+                  <a:lnTo>
+                    <a:pt x="586546" y="241874"/>
+                  </a:lnTo>
+                  <a:lnTo>
+                    <a:pt x="550321" y="267872"/>
+                  </a:lnTo>
+                  <a:lnTo>
+                    <a:pt x="514995" y="295012"/>
+                  </a:lnTo>
+                  <a:lnTo>
+                    <a:pt x="480596" y="323267"/>
+                  </a:lnTo>
+                  <a:lnTo>
+                    <a:pt x="447151" y="352610"/>
+                  </a:lnTo>
+                  <a:lnTo>
+                    <a:pt x="414686" y="383015"/>
+                  </a:lnTo>
+                  <a:lnTo>
+                    <a:pt x="383230" y="414453"/>
+                  </a:lnTo>
+                  <a:lnTo>
+                    <a:pt x="352808" y="446900"/>
+                  </a:lnTo>
+                  <a:lnTo>
+                    <a:pt x="323448" y="480326"/>
+                  </a:lnTo>
+                  <a:lnTo>
+                    <a:pt x="295177" y="514706"/>
+                  </a:lnTo>
+                  <a:lnTo>
+                    <a:pt x="268022" y="550012"/>
+                  </a:lnTo>
+                  <a:lnTo>
+                    <a:pt x="242010" y="586217"/>
+                  </a:lnTo>
+                  <a:lnTo>
+                    <a:pt x="217167" y="623295"/>
+                  </a:lnTo>
+                  <a:lnTo>
+                    <a:pt x="193522" y="661218"/>
+                  </a:lnTo>
+                  <a:lnTo>
+                    <a:pt x="171100" y="699959"/>
+                  </a:lnTo>
+                  <a:lnTo>
+                    <a:pt x="149929" y="739492"/>
+                  </a:lnTo>
+                  <a:lnTo>
+                    <a:pt x="130036" y="779789"/>
+                  </a:lnTo>
+                  <a:lnTo>
+                    <a:pt x="111448" y="820824"/>
+                  </a:lnTo>
+                  <a:lnTo>
+                    <a:pt x="94192" y="862569"/>
+                  </a:lnTo>
+                  <a:lnTo>
+                    <a:pt x="78294" y="904997"/>
+                  </a:lnTo>
+                  <a:lnTo>
+                    <a:pt x="63783" y="948082"/>
+                  </a:lnTo>
+                  <a:lnTo>
+                    <a:pt x="50684" y="991796"/>
+                  </a:lnTo>
+                  <a:lnTo>
+                    <a:pt x="39026" y="1036113"/>
+                  </a:lnTo>
+                  <a:lnTo>
+                    <a:pt x="28834" y="1081005"/>
+                  </a:lnTo>
+                  <a:lnTo>
+                    <a:pt x="20136" y="1126446"/>
+                  </a:lnTo>
+                  <a:lnTo>
+                    <a:pt x="12959" y="1172408"/>
+                  </a:lnTo>
+                  <a:lnTo>
+                    <a:pt x="7330" y="1218864"/>
+                  </a:lnTo>
+                  <a:lnTo>
+                    <a:pt x="3275" y="1265789"/>
+                  </a:lnTo>
+                  <a:lnTo>
+                    <a:pt x="823" y="1313153"/>
+                  </a:lnTo>
+                  <a:lnTo>
+                    <a:pt x="0" y="1360931"/>
+                  </a:lnTo>
+                  <a:lnTo>
+                    <a:pt x="823" y="1408710"/>
+                  </a:lnTo>
+                  <a:lnTo>
+                    <a:pt x="3275" y="1456074"/>
+                  </a:lnTo>
+                  <a:lnTo>
+                    <a:pt x="7330" y="1502999"/>
+                  </a:lnTo>
+                  <a:lnTo>
+                    <a:pt x="12959" y="1549455"/>
+                  </a:lnTo>
+                  <a:lnTo>
+                    <a:pt x="20136" y="1595417"/>
+                  </a:lnTo>
+                  <a:lnTo>
+                    <a:pt x="28834" y="1640858"/>
+                  </a:lnTo>
+                  <a:lnTo>
+                    <a:pt x="39026" y="1685750"/>
+                  </a:lnTo>
+                  <a:lnTo>
+                    <a:pt x="50684" y="1730067"/>
+                  </a:lnTo>
+                  <a:lnTo>
+                    <a:pt x="63783" y="1773781"/>
+                  </a:lnTo>
+                  <a:lnTo>
+                    <a:pt x="78294" y="1816866"/>
+                  </a:lnTo>
+                  <a:lnTo>
+                    <a:pt x="94192" y="1859294"/>
+                  </a:lnTo>
+                  <a:lnTo>
+                    <a:pt x="111448" y="1901039"/>
+                  </a:lnTo>
+                  <a:lnTo>
+                    <a:pt x="130036" y="1942074"/>
+                  </a:lnTo>
+                  <a:lnTo>
+                    <a:pt x="149929" y="1982371"/>
+                  </a:lnTo>
+                  <a:lnTo>
+                    <a:pt x="171100" y="2021904"/>
+                  </a:lnTo>
+                  <a:lnTo>
+                    <a:pt x="193522" y="2060645"/>
+                  </a:lnTo>
+                  <a:lnTo>
+                    <a:pt x="217167" y="2098568"/>
+                  </a:lnTo>
+                  <a:lnTo>
+                    <a:pt x="242010" y="2135646"/>
+                  </a:lnTo>
+                  <a:lnTo>
+                    <a:pt x="268022" y="2171851"/>
+                  </a:lnTo>
+                  <a:lnTo>
+                    <a:pt x="295177" y="2207157"/>
+                  </a:lnTo>
+                  <a:lnTo>
+                    <a:pt x="323448" y="2241537"/>
+                  </a:lnTo>
+                  <a:lnTo>
+                    <a:pt x="352808" y="2274963"/>
+                  </a:lnTo>
+                  <a:lnTo>
+                    <a:pt x="383230" y="2307410"/>
+                  </a:lnTo>
+                  <a:lnTo>
+                    <a:pt x="414686" y="2338848"/>
+                  </a:lnTo>
+                  <a:lnTo>
+                    <a:pt x="447151" y="2369253"/>
+                  </a:lnTo>
+                  <a:lnTo>
+                    <a:pt x="480596" y="2398596"/>
+                  </a:lnTo>
+                  <a:lnTo>
+                    <a:pt x="514995" y="2426851"/>
+                  </a:lnTo>
+                  <a:lnTo>
+                    <a:pt x="550321" y="2453991"/>
+                  </a:lnTo>
+                  <a:lnTo>
+                    <a:pt x="586546" y="2479989"/>
+                  </a:lnTo>
+                  <a:lnTo>
+                    <a:pt x="623645" y="2504818"/>
+                  </a:lnTo>
+                  <a:lnTo>
+                    <a:pt x="661589" y="2528450"/>
+                  </a:lnTo>
+                  <a:lnTo>
+                    <a:pt x="700352" y="2550859"/>
+                  </a:lnTo>
+                  <a:lnTo>
+                    <a:pt x="739907" y="2572018"/>
+                  </a:lnTo>
+                  <a:lnTo>
+                    <a:pt x="780227" y="2591900"/>
+                  </a:lnTo>
+                  <a:lnTo>
+                    <a:pt x="821284" y="2610478"/>
+                  </a:lnTo>
+                  <a:lnTo>
+                    <a:pt x="863052" y="2627724"/>
+                  </a:lnTo>
+                  <a:lnTo>
+                    <a:pt x="905504" y="2643613"/>
+                  </a:lnTo>
+                  <a:lnTo>
+                    <a:pt x="948613" y="2658116"/>
+                  </a:lnTo>
+                  <a:lnTo>
+                    <a:pt x="992352" y="2671207"/>
+                  </a:lnTo>
+                  <a:lnTo>
+                    <a:pt x="1036694" y="2682859"/>
+                  </a:lnTo>
+                  <a:lnTo>
+                    <a:pt x="1081611" y="2693045"/>
+                  </a:lnTo>
+                  <a:lnTo>
+                    <a:pt x="1127077" y="2701739"/>
+                  </a:lnTo>
+                  <a:lnTo>
+                    <a:pt x="1173065" y="2708912"/>
+                  </a:lnTo>
+                  <a:lnTo>
+                    <a:pt x="1219547" y="2714538"/>
+                  </a:lnTo>
+                  <a:lnTo>
+                    <a:pt x="1266498" y="2718590"/>
+                  </a:lnTo>
+                  <a:lnTo>
+                    <a:pt x="1313889" y="2721041"/>
+                  </a:lnTo>
+                  <a:lnTo>
+                    <a:pt x="1361694" y="2721863"/>
+                  </a:lnTo>
+                  <a:lnTo>
+                    <a:pt x="1409498" y="2721041"/>
+                  </a:lnTo>
+                  <a:lnTo>
+                    <a:pt x="1456889" y="2718590"/>
+                  </a:lnTo>
+                  <a:lnTo>
+                    <a:pt x="1503840" y="2714538"/>
+                  </a:lnTo>
+                  <a:lnTo>
+                    <a:pt x="1550322" y="2708912"/>
+                  </a:lnTo>
+                  <a:lnTo>
+                    <a:pt x="1596310" y="2701739"/>
+                  </a:lnTo>
+                  <a:lnTo>
+                    <a:pt x="1641776" y="2693045"/>
+                  </a:lnTo>
+                  <a:lnTo>
+                    <a:pt x="1686693" y="2682859"/>
+                  </a:lnTo>
+                  <a:lnTo>
+                    <a:pt x="1731035" y="2671207"/>
+                  </a:lnTo>
+                  <a:lnTo>
+                    <a:pt x="1774774" y="2658116"/>
+                  </a:lnTo>
+                  <a:lnTo>
+                    <a:pt x="1817883" y="2643613"/>
+                  </a:lnTo>
+                  <a:lnTo>
+                    <a:pt x="1860335" y="2627724"/>
+                  </a:lnTo>
+                  <a:lnTo>
+                    <a:pt x="1902103" y="2610478"/>
+                  </a:lnTo>
+                  <a:lnTo>
+                    <a:pt x="1943160" y="2591900"/>
+                  </a:lnTo>
+                  <a:lnTo>
+                    <a:pt x="1983480" y="2572018"/>
+                  </a:lnTo>
+                  <a:lnTo>
+                    <a:pt x="2023035" y="2550859"/>
+                  </a:lnTo>
+                  <a:lnTo>
+                    <a:pt x="2061798" y="2528450"/>
+                  </a:lnTo>
+                  <a:lnTo>
+                    <a:pt x="2099742" y="2504818"/>
+                  </a:lnTo>
+                  <a:lnTo>
+                    <a:pt x="2136841" y="2479989"/>
+                  </a:lnTo>
+                  <a:lnTo>
+                    <a:pt x="2173066" y="2453991"/>
+                  </a:lnTo>
+                  <a:lnTo>
+                    <a:pt x="2208392" y="2426851"/>
+                  </a:lnTo>
+                  <a:lnTo>
+                    <a:pt x="2242791" y="2398596"/>
+                  </a:lnTo>
+                  <a:lnTo>
+                    <a:pt x="2276236" y="2369253"/>
+                  </a:lnTo>
+                  <a:lnTo>
+                    <a:pt x="2308701" y="2338848"/>
+                  </a:lnTo>
+                  <a:lnTo>
+                    <a:pt x="2340157" y="2307410"/>
+                  </a:lnTo>
+                  <a:lnTo>
+                    <a:pt x="2370579" y="2274963"/>
+                  </a:lnTo>
+                  <a:lnTo>
+                    <a:pt x="2399939" y="2241537"/>
+                  </a:lnTo>
+                  <a:lnTo>
+                    <a:pt x="2428210" y="2207157"/>
+                  </a:lnTo>
+                  <a:lnTo>
+                    <a:pt x="2455365" y="2171851"/>
+                  </a:lnTo>
+                  <a:lnTo>
+                    <a:pt x="2481377" y="2135646"/>
+                  </a:lnTo>
+                  <a:lnTo>
+                    <a:pt x="2506220" y="2098568"/>
+                  </a:lnTo>
+                  <a:lnTo>
+                    <a:pt x="2529865" y="2060645"/>
+                  </a:lnTo>
+                  <a:lnTo>
+                    <a:pt x="2552287" y="2021904"/>
+                  </a:lnTo>
+                  <a:lnTo>
+                    <a:pt x="2573458" y="1982371"/>
+                  </a:lnTo>
+                  <a:lnTo>
+                    <a:pt x="2593351" y="1942074"/>
+                  </a:lnTo>
+                  <a:lnTo>
+                    <a:pt x="2611939" y="1901039"/>
+                  </a:lnTo>
+                  <a:lnTo>
+                    <a:pt x="2629195" y="1859294"/>
+                  </a:lnTo>
+                  <a:lnTo>
+                    <a:pt x="2645093" y="1816866"/>
+                  </a:lnTo>
+                  <a:lnTo>
+                    <a:pt x="2659604" y="1773781"/>
+                  </a:lnTo>
+                  <a:lnTo>
+                    <a:pt x="2672703" y="1730067"/>
+                  </a:lnTo>
+                  <a:lnTo>
+                    <a:pt x="2684361" y="1685750"/>
+                  </a:lnTo>
+                  <a:lnTo>
+                    <a:pt x="2694553" y="1640858"/>
+                  </a:lnTo>
+                  <a:lnTo>
+                    <a:pt x="2703251" y="1595417"/>
+                  </a:lnTo>
+                  <a:lnTo>
+                    <a:pt x="2710428" y="1549455"/>
+                  </a:lnTo>
+                  <a:lnTo>
+                    <a:pt x="2716057" y="1502999"/>
+                  </a:lnTo>
+                  <a:lnTo>
+                    <a:pt x="2720112" y="1456074"/>
+                  </a:lnTo>
+                  <a:lnTo>
+                    <a:pt x="2722564" y="1408710"/>
+                  </a:lnTo>
+                  <a:lnTo>
+                    <a:pt x="2723388" y="1360931"/>
+                  </a:lnTo>
+                  <a:lnTo>
+                    <a:pt x="2722564" y="1313153"/>
+                  </a:lnTo>
+                  <a:lnTo>
+                    <a:pt x="2720112" y="1265789"/>
+                  </a:lnTo>
+                  <a:lnTo>
+                    <a:pt x="2716057" y="1218864"/>
+                  </a:lnTo>
+                  <a:lnTo>
+                    <a:pt x="2710428" y="1172408"/>
+                  </a:lnTo>
+                  <a:lnTo>
+                    <a:pt x="2703251" y="1126446"/>
+                  </a:lnTo>
+                  <a:lnTo>
+                    <a:pt x="2694553" y="1081005"/>
+                  </a:lnTo>
+                  <a:lnTo>
+                    <a:pt x="2684361" y="1036113"/>
+                  </a:lnTo>
+                  <a:lnTo>
+                    <a:pt x="2672703" y="991796"/>
+                  </a:lnTo>
+                  <a:lnTo>
+                    <a:pt x="2659604" y="948082"/>
+                  </a:lnTo>
+                  <a:lnTo>
+                    <a:pt x="2645093" y="904997"/>
+                  </a:lnTo>
+                  <a:lnTo>
+                    <a:pt x="2629195" y="862569"/>
+                  </a:lnTo>
+                  <a:lnTo>
+                    <a:pt x="2611939" y="820824"/>
+                  </a:lnTo>
+                  <a:lnTo>
+                    <a:pt x="2593351" y="779789"/>
+                  </a:lnTo>
+                  <a:lnTo>
+                    <a:pt x="2573458" y="739492"/>
+                  </a:lnTo>
+                  <a:lnTo>
+                    <a:pt x="2552287" y="699959"/>
+                  </a:lnTo>
+                  <a:lnTo>
+                    <a:pt x="2529865" y="661218"/>
+                  </a:lnTo>
+                  <a:lnTo>
+                    <a:pt x="2506220" y="623295"/>
+                  </a:lnTo>
+                  <a:lnTo>
+                    <a:pt x="2481377" y="586217"/>
+                  </a:lnTo>
+                  <a:lnTo>
+                    <a:pt x="2455365" y="550012"/>
+                  </a:lnTo>
+                  <a:lnTo>
+                    <a:pt x="2428210" y="514706"/>
+                  </a:lnTo>
+                  <a:lnTo>
+                    <a:pt x="2399939" y="480326"/>
+                  </a:lnTo>
+                  <a:lnTo>
+                    <a:pt x="2370579" y="446900"/>
+                  </a:lnTo>
+                  <a:lnTo>
+                    <a:pt x="2340157" y="414453"/>
+                  </a:lnTo>
+                  <a:lnTo>
+                    <a:pt x="2308701" y="383015"/>
+                  </a:lnTo>
+                  <a:lnTo>
+                    <a:pt x="2276236" y="352610"/>
+                  </a:lnTo>
+                  <a:lnTo>
+                    <a:pt x="2242791" y="323267"/>
+                  </a:lnTo>
+                  <a:lnTo>
+                    <a:pt x="2208392" y="295012"/>
+                  </a:lnTo>
+                  <a:lnTo>
+                    <a:pt x="2173066" y="267872"/>
+                  </a:lnTo>
+                  <a:lnTo>
+                    <a:pt x="2136841" y="241874"/>
+                  </a:lnTo>
+                  <a:lnTo>
+                    <a:pt x="2099742" y="217045"/>
+                  </a:lnTo>
+                  <a:lnTo>
+                    <a:pt x="2061798" y="193413"/>
+                  </a:lnTo>
+                  <a:lnTo>
+                    <a:pt x="2023035" y="171004"/>
+                  </a:lnTo>
+                  <a:lnTo>
+                    <a:pt x="1983480" y="149845"/>
+                  </a:lnTo>
+                  <a:lnTo>
+                    <a:pt x="1943160" y="129963"/>
+                  </a:lnTo>
+                  <a:lnTo>
+                    <a:pt x="1902103" y="111385"/>
+                  </a:lnTo>
+                  <a:lnTo>
+                    <a:pt x="1860335" y="94139"/>
+                  </a:lnTo>
+                  <a:lnTo>
+                    <a:pt x="1817883" y="78250"/>
+                  </a:lnTo>
+                  <a:lnTo>
+                    <a:pt x="1774774" y="63747"/>
+                  </a:lnTo>
+                  <a:lnTo>
+                    <a:pt x="1731035" y="50656"/>
+                  </a:lnTo>
+                  <a:lnTo>
+                    <a:pt x="1686693" y="39004"/>
+                  </a:lnTo>
+                  <a:lnTo>
+                    <a:pt x="1641776" y="28818"/>
+                  </a:lnTo>
+                  <a:lnTo>
+                    <a:pt x="1596310" y="20124"/>
+                  </a:lnTo>
+                  <a:lnTo>
+                    <a:pt x="1550322" y="12951"/>
+                  </a:lnTo>
+                  <a:lnTo>
+                    <a:pt x="1503840" y="7325"/>
+                  </a:lnTo>
+                  <a:lnTo>
+                    <a:pt x="1456889" y="3273"/>
+                  </a:lnTo>
+                  <a:lnTo>
+                    <a:pt x="1409498" y="822"/>
+                  </a:lnTo>
+                  <a:lnTo>
+                    <a:pt x="1361694" y="0"/>
+                  </a:lnTo>
+                  <a:close/>
+                </a:path>
+              </a:pathLst>
+            </a:custGeom>
+            <a:solidFill>
+              <a:srgbClr val="FFFFFF"/>
+            </a:solidFill>
+          </p:spPr>
+          <p:txBody>
+            <a:bodyPr wrap="square" lIns="0" tIns="0" rIns="0" bIns="0" rtlCol="0"/>
+            <a:lstStyle/>
+            <a:p>
+              <a:endParaRPr/>
+            </a:p>
+          </p:txBody>
+        </p:sp>
+      </p:grpSp>
+      <p:sp>
+        <p:nvSpPr>
+          <p:cNvPr id="5" name="object 5"/>
+          <p:cNvSpPr txBox="1">
+            <a:spLocks noGrp="1"/>
+          </p:cNvSpPr>
+          <p:nvPr>
+            <p:ph type="title"/>
+          </p:nvPr>
+        </p:nvSpPr>
+        <p:spPr>
+          <a:xfrm>
+            <a:off x="646099" y="409361"/>
+            <a:ext cx="4498975" cy="1951816"/>
+          </a:xfrm>
+          <a:prstGeom prst="rect">
+            <a:avLst/>
+          </a:prstGeom>
+        </p:spPr>
+        <p:txBody>
+          <a:bodyPr vert="horz" wrap="square" lIns="0" tIns="12700" rIns="0" bIns="0" rtlCol="0">
+            <a:spAutoFit/>
+          </a:bodyPr>
+          <a:lstStyle/>
+          <a:p>
+            <a:pPr marL="12700">
+              <a:lnSpc>
+                <a:spcPct val="100000"/>
+              </a:lnSpc>
+              <a:spcBef>
+                <a:spcPts val="100"/>
+              </a:spcBef>
+            </a:pPr>
+            <a:r>
+              <a:rPr lang="ru-RU" sz="4200" spc="250" dirty="0"/>
+              <a:t>Необходимость в </a:t>
+            </a:r>
+            <a:r>
+              <a:rPr lang="ru-RU" sz="4200" spc="185" dirty="0"/>
+              <a:t>данном приложении</a:t>
+            </a:r>
+            <a:r>
+              <a:rPr sz="4200" spc="470" dirty="0"/>
+              <a:t>?</a:t>
+            </a:r>
+            <a:endParaRPr sz="4200" dirty="0"/>
+          </a:p>
+        </p:txBody>
+      </p:sp>
+      <p:sp>
+        <p:nvSpPr>
+          <p:cNvPr id="6" name="object 6"/>
+          <p:cNvSpPr txBox="1"/>
+          <p:nvPr/>
+        </p:nvSpPr>
+        <p:spPr>
+          <a:xfrm>
+            <a:off x="6411900" y="526639"/>
+            <a:ext cx="10485450" cy="4580740"/>
+          </a:xfrm>
+          <a:prstGeom prst="rect">
+            <a:avLst/>
+          </a:prstGeom>
+        </p:spPr>
+        <p:txBody>
+          <a:bodyPr vert="horz" wrap="square" lIns="0" tIns="233679" rIns="0" bIns="0" rtlCol="0">
+            <a:spAutoFit/>
+          </a:bodyPr>
+          <a:lstStyle/>
+          <a:p>
+            <a:pPr marL="12700">
+              <a:spcBef>
+                <a:spcPts val="1839"/>
+              </a:spcBef>
+            </a:pPr>
+            <a:r>
+              <a:rPr sz="3200" spc="-270" dirty="0">
+                <a:latin typeface="Trebuchet MS"/>
+                <a:cs typeface="Trebuchet MS"/>
+              </a:rPr>
+              <a:t>›</a:t>
+            </a:r>
+            <a:r>
+              <a:rPr lang="ru-RU" sz="3200" spc="325" dirty="0">
+                <a:latin typeface="Trebuchet MS"/>
+                <a:cs typeface="Trebuchet MS"/>
+              </a:rPr>
+              <a:t> </a:t>
+            </a:r>
+            <a:r>
+              <a:rPr lang="ru-RU" sz="3200" dirty="0">
+                <a:effectLst/>
+                <a:latin typeface="Trebuchet MS" panose="020B0603020202020204" pitchFamily="34" charset="0"/>
+                <a:ea typeface="Calibri" panose="020F0502020204030204" pitchFamily="34" charset="0"/>
+              </a:rPr>
+              <a:t>Повышение производительности труда</a:t>
+            </a:r>
+          </a:p>
+          <a:p>
+            <a:pPr marL="12700">
+              <a:spcBef>
+                <a:spcPts val="1839"/>
+              </a:spcBef>
+            </a:pPr>
+            <a:r>
+              <a:rPr lang="ru-RU" sz="3200" spc="-270" dirty="0">
+                <a:latin typeface="Trebuchet MS"/>
+                <a:cs typeface="Trebuchet MS"/>
+              </a:rPr>
+              <a:t>›</a:t>
+            </a:r>
+            <a:r>
+              <a:rPr lang="ru-RU" sz="3200" spc="325" dirty="0">
+                <a:latin typeface="Trebuchet MS"/>
+                <a:cs typeface="Trebuchet MS"/>
+              </a:rPr>
+              <a:t> </a:t>
+            </a:r>
+            <a:r>
+              <a:rPr lang="ru-RU" sz="3200" dirty="0">
+                <a:latin typeface="Trebuchet MS"/>
+                <a:cs typeface="Trebuchet MS"/>
+              </a:rPr>
+              <a:t>Облегчение работы сотрудников библиотеки </a:t>
+            </a:r>
+          </a:p>
+          <a:p>
+            <a:pPr marL="12700">
+              <a:spcBef>
+                <a:spcPts val="1839"/>
+              </a:spcBef>
+            </a:pPr>
+            <a:r>
+              <a:rPr lang="ru-RU" sz="3200" spc="-270" dirty="0">
+                <a:latin typeface="Trebuchet MS"/>
+                <a:cs typeface="Trebuchet MS"/>
+              </a:rPr>
+              <a:t>› </a:t>
+            </a:r>
+            <a:r>
+              <a:rPr lang="ru-RU" sz="3200" dirty="0">
+                <a:solidFill>
+                  <a:srgbClr val="000000"/>
+                </a:solidFill>
+                <a:effectLst/>
+                <a:latin typeface="Trebuchet MS" panose="020B0603020202020204" pitchFamily="34" charset="0"/>
+                <a:ea typeface="Calibri" panose="020F0502020204030204" pitchFamily="34" charset="0"/>
+                <a:cs typeface="Times New Roman" panose="02020603050405020304" pitchFamily="18" charset="0"/>
+              </a:rPr>
+              <a:t>Смягчение последствий нехватки рабочей силы</a:t>
+            </a:r>
+            <a:endParaRPr lang="ru-RU" sz="3200" dirty="0">
+              <a:latin typeface="Trebuchet MS" panose="020B0603020202020204" pitchFamily="34" charset="0"/>
+              <a:cs typeface="Trebuchet MS"/>
+            </a:endParaRPr>
+          </a:p>
+          <a:p>
+            <a:pPr marL="12700">
+              <a:spcBef>
+                <a:spcPts val="1739"/>
+              </a:spcBef>
+            </a:pPr>
+            <a:r>
+              <a:rPr lang="ru-RU" sz="3200" spc="-270" dirty="0">
+                <a:latin typeface="Trebuchet MS"/>
+                <a:cs typeface="Trebuchet MS"/>
+              </a:rPr>
+              <a:t>› </a:t>
+            </a:r>
+            <a:r>
+              <a:rPr lang="ru-RU" sz="3200" dirty="0">
+                <a:effectLst/>
+                <a:latin typeface="Trebuchet MS" panose="020B0603020202020204" pitchFamily="34" charset="0"/>
+                <a:ea typeface="Calibri" panose="020F0502020204030204" pitchFamily="34" charset="0"/>
+              </a:rPr>
+              <a:t>Картотека библиотек занимает значительное количество площади</a:t>
+            </a:r>
+            <a:endParaRPr lang="en-US" sz="3200" dirty="0">
+              <a:effectLst/>
+              <a:latin typeface="Trebuchet MS" panose="020B0603020202020204" pitchFamily="34" charset="0"/>
+              <a:ea typeface="Calibri" panose="020F0502020204030204" pitchFamily="34" charset="0"/>
+            </a:endParaRPr>
+          </a:p>
+          <a:p>
+            <a:pPr marL="12700">
+              <a:spcBef>
+                <a:spcPts val="1739"/>
+              </a:spcBef>
+            </a:pPr>
+            <a:r>
+              <a:rPr lang="ru-RU" sz="3200" spc="-270" dirty="0">
+                <a:latin typeface="Trebuchet MS"/>
+                <a:cs typeface="Trebuchet MS"/>
+              </a:rPr>
+              <a:t>› </a:t>
+            </a:r>
+            <a:r>
+              <a:rPr lang="ru-RU" sz="3200" dirty="0">
+                <a:effectLst/>
+                <a:latin typeface="Trebuchet MS" panose="020B0603020202020204" pitchFamily="34" charset="0"/>
+                <a:ea typeface="Calibri" panose="020F0502020204030204" pitchFamily="34" charset="0"/>
+              </a:rPr>
+              <a:t>Ускорение процесса обслуживания читателей способствует </a:t>
+            </a:r>
+            <a:r>
+              <a:rPr lang="ru-RU" sz="3200" spc="-270" dirty="0">
+                <a:latin typeface="Trebuchet MS" panose="020B0603020202020204" pitchFamily="34" charset="0"/>
+                <a:ea typeface="Calibri" panose="020F0502020204030204" pitchFamily="34" charset="0"/>
+              </a:rPr>
+              <a:t>у</a:t>
+            </a:r>
+            <a:r>
+              <a:rPr lang="ru-RU" sz="3200" dirty="0">
+                <a:effectLst/>
+                <a:latin typeface="Trebuchet MS" panose="020B0603020202020204" pitchFamily="34" charset="0"/>
+                <a:ea typeface="Calibri" panose="020F0502020204030204" pitchFamily="34" charset="0"/>
+              </a:rPr>
+              <a:t>величени</a:t>
+            </a:r>
+            <a:r>
+              <a:rPr lang="ru-RU" sz="3200" dirty="0">
+                <a:latin typeface="Trebuchet MS" panose="020B0603020202020204" pitchFamily="34" charset="0"/>
+                <a:ea typeface="Calibri" panose="020F0502020204030204" pitchFamily="34" charset="0"/>
+              </a:rPr>
+              <a:t>ю</a:t>
+            </a:r>
+            <a:r>
+              <a:rPr lang="ru-RU" sz="3200" dirty="0">
+                <a:effectLst/>
+                <a:latin typeface="Trebuchet MS" panose="020B0603020202020204" pitchFamily="34" charset="0"/>
+                <a:ea typeface="Calibri" panose="020F0502020204030204" pitchFamily="34" charset="0"/>
+              </a:rPr>
+              <a:t> популярности библиотек.</a:t>
+            </a:r>
+            <a:endParaRPr lang="ru-RU" sz="3200" dirty="0">
+              <a:latin typeface="Trebuchet MS" panose="020B0603020202020204" pitchFamily="34" charset="0"/>
+              <a:cs typeface="Trebuchet MS"/>
+            </a:endParaRPr>
+          </a:p>
+        </p:txBody>
+      </p:sp>
+      <p:pic>
+        <p:nvPicPr>
+          <p:cNvPr id="7" name="object 7"/>
+          <p:cNvPicPr/>
+          <p:nvPr/>
+        </p:nvPicPr>
+        <p:blipFill>
+          <a:blip r:embed="rId2" cstate="print"/>
+          <a:stretch>
+            <a:fillRect/>
+          </a:stretch>
+        </p:blipFill>
+        <p:spPr>
+          <a:xfrm>
+            <a:off x="1863851" y="4276344"/>
+            <a:ext cx="2203703" cy="1828038"/>
+          </a:xfrm>
+          <a:prstGeom prst="rect">
+            <a:avLst/>
+          </a:prstGeom>
+        </p:spPr>
+      </p:pic>
+      <p:sp>
+        <p:nvSpPr>
+          <p:cNvPr id="8" name="object 8"/>
           <p:cNvSpPr txBox="1">
             <a:spLocks noGrp="1"/>
           </p:cNvSpPr>
@@ -6418,7 +6427,7 @@
             </a:pPr>
             <a:r>
               <a:rPr lang="en-US" sz="2800" dirty="0"/>
-              <a:t>Qt Designer – </a:t>
+              <a:t>QtDesigner – </a:t>
             </a:r>
             <a:r>
               <a:rPr lang="ru-RU" sz="2800" dirty="0"/>
